--- a/for article/uncertainty time-freq.pptx
+++ b/for article/uncertainty time-freq.pptx
@@ -104,6 +104,11 @@
       </a:defRPr>
     </a:lvl9pPr>
   </p:defaultTextStyle>
+  <p:extLst>
+    <p:ext uri="{EFAFB233-063F-42B5-8137-9DF3F51BA10A}">
+      <p15:sldGuideLst xmlns:p15="http://schemas.microsoft.com/office/powerpoint/2012/main"/>
+    </p:ext>
+  </p:extLst>
 </p:presentation>
 </file>
 
@@ -2964,6 +2969,41 @@
           <a:chExt cx="0" cy="0"/>
         </a:xfrm>
       </p:grpSpPr>
+      <p:cxnSp>
+        <p:nvCxnSpPr>
+          <p:cNvPr id="86" name="Straight Connector 85"/>
+          <p:cNvCxnSpPr/>
+          <p:nvPr/>
+        </p:nvCxnSpPr>
+        <p:spPr>
+          <a:xfrm flipV="1">
+            <a:off x="1390322" y="1844959"/>
+            <a:ext cx="2056076" cy="858824"/>
+          </a:xfrm>
+          <a:prstGeom prst="line">
+            <a:avLst/>
+          </a:prstGeom>
+          <a:ln w="676275">
+            <a:solidFill>
+              <a:srgbClr val="FF0000"/>
+            </a:solidFill>
+          </a:ln>
+        </p:spPr>
+        <p:style>
+          <a:lnRef idx="1">
+            <a:schemeClr val="accent1"/>
+          </a:lnRef>
+          <a:fillRef idx="0">
+            <a:schemeClr val="accent1"/>
+          </a:fillRef>
+          <a:effectRef idx="0">
+            <a:schemeClr val="accent1"/>
+          </a:effectRef>
+          <a:fontRef idx="minor">
+            <a:schemeClr val="tx1"/>
+          </a:fontRef>
+        </p:style>
+      </p:cxnSp>
       <p:grpSp>
         <p:nvGrpSpPr>
           <p:cNvPr id="26" name="Group 25"/>
@@ -3059,7 +3099,7 @@
           <p:spPr>
             <a:xfrm flipV="1">
               <a:off x="1853514" y="4250724"/>
-              <a:ext cx="5280454" cy="32952"/>
+              <a:ext cx="5280455" cy="32951"/>
             </a:xfrm>
             <a:prstGeom prst="line">
               <a:avLst/>
@@ -4464,1290 +4504,6 @@
           </p:style>
         </p:cxnSp>
       </p:grpSp>
-      <p:sp>
-        <p:nvSpPr>
-          <p:cNvPr id="61" name="Freeform 60"/>
-          <p:cNvSpPr/>
-          <p:nvPr/>
-        </p:nvSpPr>
-        <p:spPr>
-          <a:xfrm>
-            <a:off x="1276350" y="1793875"/>
-            <a:ext cx="2222500" cy="1250950"/>
-          </a:xfrm>
-          <a:custGeom>
-            <a:avLst/>
-            <a:gdLst>
-              <a:gd name="connsiteX0" fmla="*/ 0 w 2222500"/>
-              <a:gd name="connsiteY0" fmla="*/ 1250950 h 1250950"/>
-              <a:gd name="connsiteX1" fmla="*/ 19050 w 2222500"/>
-              <a:gd name="connsiteY1" fmla="*/ 1235075 h 1250950"/>
-              <a:gd name="connsiteX2" fmla="*/ 22225 w 2222500"/>
-              <a:gd name="connsiteY2" fmla="*/ 1225550 h 1250950"/>
-              <a:gd name="connsiteX3" fmla="*/ 28575 w 2222500"/>
-              <a:gd name="connsiteY3" fmla="*/ 1216025 h 1250950"/>
-              <a:gd name="connsiteX4" fmla="*/ 31750 w 2222500"/>
-              <a:gd name="connsiteY4" fmla="*/ 1206500 h 1250950"/>
-              <a:gd name="connsiteX5" fmla="*/ 53975 w 2222500"/>
-              <a:gd name="connsiteY5" fmla="*/ 1174750 h 1250950"/>
-              <a:gd name="connsiteX6" fmla="*/ 60325 w 2222500"/>
-              <a:gd name="connsiteY6" fmla="*/ 1158875 h 1250950"/>
-              <a:gd name="connsiteX7" fmla="*/ 76200 w 2222500"/>
-              <a:gd name="connsiteY7" fmla="*/ 1123950 h 1250950"/>
-              <a:gd name="connsiteX8" fmla="*/ 82550 w 2222500"/>
-              <a:gd name="connsiteY8" fmla="*/ 1104900 h 1250950"/>
-              <a:gd name="connsiteX9" fmla="*/ 101600 w 2222500"/>
-              <a:gd name="connsiteY9" fmla="*/ 1073150 h 1250950"/>
-              <a:gd name="connsiteX10" fmla="*/ 111125 w 2222500"/>
-              <a:gd name="connsiteY10" fmla="*/ 1050925 h 1250950"/>
-              <a:gd name="connsiteX11" fmla="*/ 117475 w 2222500"/>
-              <a:gd name="connsiteY11" fmla="*/ 1035050 h 1250950"/>
-              <a:gd name="connsiteX12" fmla="*/ 136525 w 2222500"/>
-              <a:gd name="connsiteY12" fmla="*/ 1003300 h 1250950"/>
-              <a:gd name="connsiteX13" fmla="*/ 142875 w 2222500"/>
-              <a:gd name="connsiteY13" fmla="*/ 990600 h 1250950"/>
-              <a:gd name="connsiteX14" fmla="*/ 146050 w 2222500"/>
-              <a:gd name="connsiteY14" fmla="*/ 977900 h 1250950"/>
-              <a:gd name="connsiteX15" fmla="*/ 161925 w 2222500"/>
-              <a:gd name="connsiteY15" fmla="*/ 952500 h 1250950"/>
-              <a:gd name="connsiteX16" fmla="*/ 180975 w 2222500"/>
-              <a:gd name="connsiteY16" fmla="*/ 920750 h 1250950"/>
-              <a:gd name="connsiteX17" fmla="*/ 196850 w 2222500"/>
-              <a:gd name="connsiteY17" fmla="*/ 885825 h 1250950"/>
-              <a:gd name="connsiteX18" fmla="*/ 200025 w 2222500"/>
-              <a:gd name="connsiteY18" fmla="*/ 866775 h 1250950"/>
-              <a:gd name="connsiteX19" fmla="*/ 206375 w 2222500"/>
-              <a:gd name="connsiteY19" fmla="*/ 857250 h 1250950"/>
-              <a:gd name="connsiteX20" fmla="*/ 212725 w 2222500"/>
-              <a:gd name="connsiteY20" fmla="*/ 838200 h 1250950"/>
-              <a:gd name="connsiteX21" fmla="*/ 215900 w 2222500"/>
-              <a:gd name="connsiteY21" fmla="*/ 828675 h 1250950"/>
-              <a:gd name="connsiteX22" fmla="*/ 219075 w 2222500"/>
-              <a:gd name="connsiteY22" fmla="*/ 819150 h 1250950"/>
-              <a:gd name="connsiteX23" fmla="*/ 225425 w 2222500"/>
-              <a:gd name="connsiteY23" fmla="*/ 809625 h 1250950"/>
-              <a:gd name="connsiteX24" fmla="*/ 234950 w 2222500"/>
-              <a:gd name="connsiteY24" fmla="*/ 790575 h 1250950"/>
-              <a:gd name="connsiteX25" fmla="*/ 254000 w 2222500"/>
-              <a:gd name="connsiteY25" fmla="*/ 771525 h 1250950"/>
-              <a:gd name="connsiteX26" fmla="*/ 263525 w 2222500"/>
-              <a:gd name="connsiteY26" fmla="*/ 758825 h 1250950"/>
-              <a:gd name="connsiteX27" fmla="*/ 282575 w 2222500"/>
-              <a:gd name="connsiteY27" fmla="*/ 752475 h 1250950"/>
-              <a:gd name="connsiteX28" fmla="*/ 352425 w 2222500"/>
-              <a:gd name="connsiteY28" fmla="*/ 758825 h 1250950"/>
-              <a:gd name="connsiteX29" fmla="*/ 365125 w 2222500"/>
-              <a:gd name="connsiteY29" fmla="*/ 765175 h 1250950"/>
-              <a:gd name="connsiteX30" fmla="*/ 381000 w 2222500"/>
-              <a:gd name="connsiteY30" fmla="*/ 771525 h 1250950"/>
-              <a:gd name="connsiteX31" fmla="*/ 390525 w 2222500"/>
-              <a:gd name="connsiteY31" fmla="*/ 781050 h 1250950"/>
-              <a:gd name="connsiteX32" fmla="*/ 419100 w 2222500"/>
-              <a:gd name="connsiteY32" fmla="*/ 793750 h 1250950"/>
-              <a:gd name="connsiteX33" fmla="*/ 434975 w 2222500"/>
-              <a:gd name="connsiteY33" fmla="*/ 803275 h 1250950"/>
-              <a:gd name="connsiteX34" fmla="*/ 460375 w 2222500"/>
-              <a:gd name="connsiteY34" fmla="*/ 815975 h 1250950"/>
-              <a:gd name="connsiteX35" fmla="*/ 473075 w 2222500"/>
-              <a:gd name="connsiteY35" fmla="*/ 822325 h 1250950"/>
-              <a:gd name="connsiteX36" fmla="*/ 504825 w 2222500"/>
-              <a:gd name="connsiteY36" fmla="*/ 838200 h 1250950"/>
-              <a:gd name="connsiteX37" fmla="*/ 517525 w 2222500"/>
-              <a:gd name="connsiteY37" fmla="*/ 844550 h 1250950"/>
-              <a:gd name="connsiteX38" fmla="*/ 542925 w 2222500"/>
-              <a:gd name="connsiteY38" fmla="*/ 850900 h 1250950"/>
-              <a:gd name="connsiteX39" fmla="*/ 558800 w 2222500"/>
-              <a:gd name="connsiteY39" fmla="*/ 857250 h 1250950"/>
-              <a:gd name="connsiteX40" fmla="*/ 606425 w 2222500"/>
-              <a:gd name="connsiteY40" fmla="*/ 860425 h 1250950"/>
-              <a:gd name="connsiteX41" fmla="*/ 679450 w 2222500"/>
-              <a:gd name="connsiteY41" fmla="*/ 854075 h 1250950"/>
-              <a:gd name="connsiteX42" fmla="*/ 717550 w 2222500"/>
-              <a:gd name="connsiteY42" fmla="*/ 841375 h 1250950"/>
-              <a:gd name="connsiteX43" fmla="*/ 727075 w 2222500"/>
-              <a:gd name="connsiteY43" fmla="*/ 838200 h 1250950"/>
-              <a:gd name="connsiteX44" fmla="*/ 749300 w 2222500"/>
-              <a:gd name="connsiteY44" fmla="*/ 828675 h 1250950"/>
-              <a:gd name="connsiteX45" fmla="*/ 762000 w 2222500"/>
-              <a:gd name="connsiteY45" fmla="*/ 819150 h 1250950"/>
-              <a:gd name="connsiteX46" fmla="*/ 774700 w 2222500"/>
-              <a:gd name="connsiteY46" fmla="*/ 812800 h 1250950"/>
-              <a:gd name="connsiteX47" fmla="*/ 784225 w 2222500"/>
-              <a:gd name="connsiteY47" fmla="*/ 803275 h 1250950"/>
-              <a:gd name="connsiteX48" fmla="*/ 803275 w 2222500"/>
-              <a:gd name="connsiteY48" fmla="*/ 793750 h 1250950"/>
-              <a:gd name="connsiteX49" fmla="*/ 812800 w 2222500"/>
-              <a:gd name="connsiteY49" fmla="*/ 781050 h 1250950"/>
-              <a:gd name="connsiteX50" fmla="*/ 822325 w 2222500"/>
-              <a:gd name="connsiteY50" fmla="*/ 774700 h 1250950"/>
-              <a:gd name="connsiteX51" fmla="*/ 841375 w 2222500"/>
-              <a:gd name="connsiteY51" fmla="*/ 755650 h 1250950"/>
-              <a:gd name="connsiteX52" fmla="*/ 847725 w 2222500"/>
-              <a:gd name="connsiteY52" fmla="*/ 742950 h 1250950"/>
-              <a:gd name="connsiteX53" fmla="*/ 860425 w 2222500"/>
-              <a:gd name="connsiteY53" fmla="*/ 733425 h 1250950"/>
-              <a:gd name="connsiteX54" fmla="*/ 866775 w 2222500"/>
-              <a:gd name="connsiteY54" fmla="*/ 723900 h 1250950"/>
-              <a:gd name="connsiteX55" fmla="*/ 885825 w 2222500"/>
-              <a:gd name="connsiteY55" fmla="*/ 701675 h 1250950"/>
-              <a:gd name="connsiteX56" fmla="*/ 908050 w 2222500"/>
-              <a:gd name="connsiteY56" fmla="*/ 666750 h 1250950"/>
-              <a:gd name="connsiteX57" fmla="*/ 908050 w 2222500"/>
-              <a:gd name="connsiteY57" fmla="*/ 666750 h 1250950"/>
-              <a:gd name="connsiteX58" fmla="*/ 914400 w 2222500"/>
-              <a:gd name="connsiteY58" fmla="*/ 654050 h 1250950"/>
-              <a:gd name="connsiteX59" fmla="*/ 927100 w 2222500"/>
-              <a:gd name="connsiteY59" fmla="*/ 635000 h 1250950"/>
-              <a:gd name="connsiteX60" fmla="*/ 936625 w 2222500"/>
-              <a:gd name="connsiteY60" fmla="*/ 600075 h 1250950"/>
-              <a:gd name="connsiteX61" fmla="*/ 949325 w 2222500"/>
-              <a:gd name="connsiteY61" fmla="*/ 584200 h 1250950"/>
-              <a:gd name="connsiteX62" fmla="*/ 962025 w 2222500"/>
-              <a:gd name="connsiteY62" fmla="*/ 552450 h 1250950"/>
-              <a:gd name="connsiteX63" fmla="*/ 968375 w 2222500"/>
-              <a:gd name="connsiteY63" fmla="*/ 527050 h 1250950"/>
-              <a:gd name="connsiteX64" fmla="*/ 974725 w 2222500"/>
-              <a:gd name="connsiteY64" fmla="*/ 514350 h 1250950"/>
-              <a:gd name="connsiteX65" fmla="*/ 984250 w 2222500"/>
-              <a:gd name="connsiteY65" fmla="*/ 479425 h 1250950"/>
-              <a:gd name="connsiteX66" fmla="*/ 987425 w 2222500"/>
-              <a:gd name="connsiteY66" fmla="*/ 460375 h 1250950"/>
-              <a:gd name="connsiteX67" fmla="*/ 990600 w 2222500"/>
-              <a:gd name="connsiteY67" fmla="*/ 450850 h 1250950"/>
-              <a:gd name="connsiteX68" fmla="*/ 996950 w 2222500"/>
-              <a:gd name="connsiteY68" fmla="*/ 412750 h 1250950"/>
-              <a:gd name="connsiteX69" fmla="*/ 1000125 w 2222500"/>
-              <a:gd name="connsiteY69" fmla="*/ 387350 h 1250950"/>
-              <a:gd name="connsiteX70" fmla="*/ 1006475 w 2222500"/>
-              <a:gd name="connsiteY70" fmla="*/ 365125 h 1250950"/>
-              <a:gd name="connsiteX71" fmla="*/ 1009650 w 2222500"/>
-              <a:gd name="connsiteY71" fmla="*/ 336550 h 1250950"/>
-              <a:gd name="connsiteX72" fmla="*/ 1012825 w 2222500"/>
-              <a:gd name="connsiteY72" fmla="*/ 327025 h 1250950"/>
-              <a:gd name="connsiteX73" fmla="*/ 1019175 w 2222500"/>
-              <a:gd name="connsiteY73" fmla="*/ 304800 h 1250950"/>
-              <a:gd name="connsiteX74" fmla="*/ 1025525 w 2222500"/>
-              <a:gd name="connsiteY74" fmla="*/ 288925 h 1250950"/>
-              <a:gd name="connsiteX75" fmla="*/ 1035050 w 2222500"/>
-              <a:gd name="connsiteY75" fmla="*/ 260350 h 1250950"/>
-              <a:gd name="connsiteX76" fmla="*/ 1044575 w 2222500"/>
-              <a:gd name="connsiteY76" fmla="*/ 228600 h 1250950"/>
-              <a:gd name="connsiteX77" fmla="*/ 1054100 w 2222500"/>
-              <a:gd name="connsiteY77" fmla="*/ 200025 h 1250950"/>
-              <a:gd name="connsiteX78" fmla="*/ 1060450 w 2222500"/>
-              <a:gd name="connsiteY78" fmla="*/ 190500 h 1250950"/>
-              <a:gd name="connsiteX79" fmla="*/ 1063625 w 2222500"/>
-              <a:gd name="connsiteY79" fmla="*/ 180975 h 1250950"/>
-              <a:gd name="connsiteX80" fmla="*/ 1073150 w 2222500"/>
-              <a:gd name="connsiteY80" fmla="*/ 174625 h 1250950"/>
-              <a:gd name="connsiteX81" fmla="*/ 1104900 w 2222500"/>
-              <a:gd name="connsiteY81" fmla="*/ 158750 h 1250950"/>
-              <a:gd name="connsiteX82" fmla="*/ 1117600 w 2222500"/>
-              <a:gd name="connsiteY82" fmla="*/ 155575 h 1250950"/>
-              <a:gd name="connsiteX83" fmla="*/ 1139825 w 2222500"/>
-              <a:gd name="connsiteY83" fmla="*/ 149225 h 1250950"/>
-              <a:gd name="connsiteX84" fmla="*/ 1158875 w 2222500"/>
-              <a:gd name="connsiteY84" fmla="*/ 146050 h 1250950"/>
-              <a:gd name="connsiteX85" fmla="*/ 1177925 w 2222500"/>
-              <a:gd name="connsiteY85" fmla="*/ 139700 h 1250950"/>
-              <a:gd name="connsiteX86" fmla="*/ 1200150 w 2222500"/>
-              <a:gd name="connsiteY86" fmla="*/ 136525 h 1250950"/>
-              <a:gd name="connsiteX87" fmla="*/ 1222375 w 2222500"/>
-              <a:gd name="connsiteY87" fmla="*/ 130175 h 1250950"/>
-              <a:gd name="connsiteX88" fmla="*/ 1295400 w 2222500"/>
-              <a:gd name="connsiteY88" fmla="*/ 120650 h 1250950"/>
-              <a:gd name="connsiteX89" fmla="*/ 1381125 w 2222500"/>
-              <a:gd name="connsiteY89" fmla="*/ 111125 h 1250950"/>
-              <a:gd name="connsiteX90" fmla="*/ 1416050 w 2222500"/>
-              <a:gd name="connsiteY90" fmla="*/ 107950 h 1250950"/>
-              <a:gd name="connsiteX91" fmla="*/ 1616075 w 2222500"/>
-              <a:gd name="connsiteY91" fmla="*/ 107950 h 1250950"/>
-              <a:gd name="connsiteX92" fmla="*/ 1631950 w 2222500"/>
-              <a:gd name="connsiteY92" fmla="*/ 111125 h 1250950"/>
-              <a:gd name="connsiteX93" fmla="*/ 1641475 w 2222500"/>
-              <a:gd name="connsiteY93" fmla="*/ 114300 h 1250950"/>
-              <a:gd name="connsiteX94" fmla="*/ 1657350 w 2222500"/>
-              <a:gd name="connsiteY94" fmla="*/ 120650 h 1250950"/>
-              <a:gd name="connsiteX95" fmla="*/ 1695450 w 2222500"/>
-              <a:gd name="connsiteY95" fmla="*/ 127000 h 1250950"/>
-              <a:gd name="connsiteX96" fmla="*/ 1711325 w 2222500"/>
-              <a:gd name="connsiteY96" fmla="*/ 133350 h 1250950"/>
-              <a:gd name="connsiteX97" fmla="*/ 1720850 w 2222500"/>
-              <a:gd name="connsiteY97" fmla="*/ 136525 h 1250950"/>
-              <a:gd name="connsiteX98" fmla="*/ 1739900 w 2222500"/>
-              <a:gd name="connsiteY98" fmla="*/ 146050 h 1250950"/>
-              <a:gd name="connsiteX99" fmla="*/ 1778000 w 2222500"/>
-              <a:gd name="connsiteY99" fmla="*/ 155575 h 1250950"/>
-              <a:gd name="connsiteX100" fmla="*/ 1800225 w 2222500"/>
-              <a:gd name="connsiteY100" fmla="*/ 168275 h 1250950"/>
-              <a:gd name="connsiteX101" fmla="*/ 1822450 w 2222500"/>
-              <a:gd name="connsiteY101" fmla="*/ 174625 h 1250950"/>
-              <a:gd name="connsiteX102" fmla="*/ 1870075 w 2222500"/>
-              <a:gd name="connsiteY102" fmla="*/ 200025 h 1250950"/>
-              <a:gd name="connsiteX103" fmla="*/ 1885950 w 2222500"/>
-              <a:gd name="connsiteY103" fmla="*/ 209550 h 1250950"/>
-              <a:gd name="connsiteX104" fmla="*/ 1905000 w 2222500"/>
-              <a:gd name="connsiteY104" fmla="*/ 215900 h 1250950"/>
-              <a:gd name="connsiteX105" fmla="*/ 1946275 w 2222500"/>
-              <a:gd name="connsiteY105" fmla="*/ 234950 h 1250950"/>
-              <a:gd name="connsiteX106" fmla="*/ 1974850 w 2222500"/>
-              <a:gd name="connsiteY106" fmla="*/ 247650 h 1250950"/>
-              <a:gd name="connsiteX107" fmla="*/ 2019300 w 2222500"/>
-              <a:gd name="connsiteY107" fmla="*/ 263525 h 1250950"/>
-              <a:gd name="connsiteX108" fmla="*/ 2057400 w 2222500"/>
-              <a:gd name="connsiteY108" fmla="*/ 269875 h 1250950"/>
-              <a:gd name="connsiteX109" fmla="*/ 2076450 w 2222500"/>
-              <a:gd name="connsiteY109" fmla="*/ 273050 h 1250950"/>
-              <a:gd name="connsiteX110" fmla="*/ 2108200 w 2222500"/>
-              <a:gd name="connsiteY110" fmla="*/ 276225 h 1250950"/>
-              <a:gd name="connsiteX111" fmla="*/ 2149475 w 2222500"/>
-              <a:gd name="connsiteY111" fmla="*/ 273050 h 1250950"/>
-              <a:gd name="connsiteX112" fmla="*/ 2159000 w 2222500"/>
-              <a:gd name="connsiteY112" fmla="*/ 241300 h 1250950"/>
-              <a:gd name="connsiteX113" fmla="*/ 2168525 w 2222500"/>
-              <a:gd name="connsiteY113" fmla="*/ 215900 h 1250950"/>
-              <a:gd name="connsiteX114" fmla="*/ 2174875 w 2222500"/>
-              <a:gd name="connsiteY114" fmla="*/ 193675 h 1250950"/>
-              <a:gd name="connsiteX115" fmla="*/ 2178050 w 2222500"/>
-              <a:gd name="connsiteY115" fmla="*/ 184150 h 1250950"/>
-              <a:gd name="connsiteX116" fmla="*/ 2184400 w 2222500"/>
-              <a:gd name="connsiteY116" fmla="*/ 142875 h 1250950"/>
-              <a:gd name="connsiteX117" fmla="*/ 2190750 w 2222500"/>
-              <a:gd name="connsiteY117" fmla="*/ 104775 h 1250950"/>
-              <a:gd name="connsiteX118" fmla="*/ 2193925 w 2222500"/>
-              <a:gd name="connsiteY118" fmla="*/ 95250 h 1250950"/>
-              <a:gd name="connsiteX119" fmla="*/ 2203450 w 2222500"/>
-              <a:gd name="connsiteY119" fmla="*/ 57150 h 1250950"/>
-              <a:gd name="connsiteX120" fmla="*/ 2206625 w 2222500"/>
-              <a:gd name="connsiteY120" fmla="*/ 41275 h 1250950"/>
-              <a:gd name="connsiteX121" fmla="*/ 2209800 w 2222500"/>
-              <a:gd name="connsiteY121" fmla="*/ 31750 h 1250950"/>
-              <a:gd name="connsiteX122" fmla="*/ 2216150 w 2222500"/>
-              <a:gd name="connsiteY122" fmla="*/ 6350 h 1250950"/>
-              <a:gd name="connsiteX123" fmla="*/ 2222500 w 2222500"/>
-              <a:gd name="connsiteY123" fmla="*/ 0 h 1250950"/>
-            </a:gdLst>
-            <a:ahLst/>
-            <a:cxnLst>
-              <a:cxn ang="0">
-                <a:pos x="connsiteX0" y="connsiteY0"/>
-              </a:cxn>
-              <a:cxn ang="0">
-                <a:pos x="connsiteX1" y="connsiteY1"/>
-              </a:cxn>
-              <a:cxn ang="0">
-                <a:pos x="connsiteX2" y="connsiteY2"/>
-              </a:cxn>
-              <a:cxn ang="0">
-                <a:pos x="connsiteX3" y="connsiteY3"/>
-              </a:cxn>
-              <a:cxn ang="0">
-                <a:pos x="connsiteX4" y="connsiteY4"/>
-              </a:cxn>
-              <a:cxn ang="0">
-                <a:pos x="connsiteX5" y="connsiteY5"/>
-              </a:cxn>
-              <a:cxn ang="0">
-                <a:pos x="connsiteX6" y="connsiteY6"/>
-              </a:cxn>
-              <a:cxn ang="0">
-                <a:pos x="connsiteX7" y="connsiteY7"/>
-              </a:cxn>
-              <a:cxn ang="0">
-                <a:pos x="connsiteX8" y="connsiteY8"/>
-              </a:cxn>
-              <a:cxn ang="0">
-                <a:pos x="connsiteX9" y="connsiteY9"/>
-              </a:cxn>
-              <a:cxn ang="0">
-                <a:pos x="connsiteX10" y="connsiteY10"/>
-              </a:cxn>
-              <a:cxn ang="0">
-                <a:pos x="connsiteX11" y="connsiteY11"/>
-              </a:cxn>
-              <a:cxn ang="0">
-                <a:pos x="connsiteX12" y="connsiteY12"/>
-              </a:cxn>
-              <a:cxn ang="0">
-                <a:pos x="connsiteX13" y="connsiteY13"/>
-              </a:cxn>
-              <a:cxn ang="0">
-                <a:pos x="connsiteX14" y="connsiteY14"/>
-              </a:cxn>
-              <a:cxn ang="0">
-                <a:pos x="connsiteX15" y="connsiteY15"/>
-              </a:cxn>
-              <a:cxn ang="0">
-                <a:pos x="connsiteX16" y="connsiteY16"/>
-              </a:cxn>
-              <a:cxn ang="0">
-                <a:pos x="connsiteX17" y="connsiteY17"/>
-              </a:cxn>
-              <a:cxn ang="0">
-                <a:pos x="connsiteX18" y="connsiteY18"/>
-              </a:cxn>
-              <a:cxn ang="0">
-                <a:pos x="connsiteX19" y="connsiteY19"/>
-              </a:cxn>
-              <a:cxn ang="0">
-                <a:pos x="connsiteX20" y="connsiteY20"/>
-              </a:cxn>
-              <a:cxn ang="0">
-                <a:pos x="connsiteX21" y="connsiteY21"/>
-              </a:cxn>
-              <a:cxn ang="0">
-                <a:pos x="connsiteX22" y="connsiteY22"/>
-              </a:cxn>
-              <a:cxn ang="0">
-                <a:pos x="connsiteX23" y="connsiteY23"/>
-              </a:cxn>
-              <a:cxn ang="0">
-                <a:pos x="connsiteX24" y="connsiteY24"/>
-              </a:cxn>
-              <a:cxn ang="0">
-                <a:pos x="connsiteX25" y="connsiteY25"/>
-              </a:cxn>
-              <a:cxn ang="0">
-                <a:pos x="connsiteX26" y="connsiteY26"/>
-              </a:cxn>
-              <a:cxn ang="0">
-                <a:pos x="connsiteX27" y="connsiteY27"/>
-              </a:cxn>
-              <a:cxn ang="0">
-                <a:pos x="connsiteX28" y="connsiteY28"/>
-              </a:cxn>
-              <a:cxn ang="0">
-                <a:pos x="connsiteX29" y="connsiteY29"/>
-              </a:cxn>
-              <a:cxn ang="0">
-                <a:pos x="connsiteX30" y="connsiteY30"/>
-              </a:cxn>
-              <a:cxn ang="0">
-                <a:pos x="connsiteX31" y="connsiteY31"/>
-              </a:cxn>
-              <a:cxn ang="0">
-                <a:pos x="connsiteX32" y="connsiteY32"/>
-              </a:cxn>
-              <a:cxn ang="0">
-                <a:pos x="connsiteX33" y="connsiteY33"/>
-              </a:cxn>
-              <a:cxn ang="0">
-                <a:pos x="connsiteX34" y="connsiteY34"/>
-              </a:cxn>
-              <a:cxn ang="0">
-                <a:pos x="connsiteX35" y="connsiteY35"/>
-              </a:cxn>
-              <a:cxn ang="0">
-                <a:pos x="connsiteX36" y="connsiteY36"/>
-              </a:cxn>
-              <a:cxn ang="0">
-                <a:pos x="connsiteX37" y="connsiteY37"/>
-              </a:cxn>
-              <a:cxn ang="0">
-                <a:pos x="connsiteX38" y="connsiteY38"/>
-              </a:cxn>
-              <a:cxn ang="0">
-                <a:pos x="connsiteX39" y="connsiteY39"/>
-              </a:cxn>
-              <a:cxn ang="0">
-                <a:pos x="connsiteX40" y="connsiteY40"/>
-              </a:cxn>
-              <a:cxn ang="0">
-                <a:pos x="connsiteX41" y="connsiteY41"/>
-              </a:cxn>
-              <a:cxn ang="0">
-                <a:pos x="connsiteX42" y="connsiteY42"/>
-              </a:cxn>
-              <a:cxn ang="0">
-                <a:pos x="connsiteX43" y="connsiteY43"/>
-              </a:cxn>
-              <a:cxn ang="0">
-                <a:pos x="connsiteX44" y="connsiteY44"/>
-              </a:cxn>
-              <a:cxn ang="0">
-                <a:pos x="connsiteX45" y="connsiteY45"/>
-              </a:cxn>
-              <a:cxn ang="0">
-                <a:pos x="connsiteX46" y="connsiteY46"/>
-              </a:cxn>
-              <a:cxn ang="0">
-                <a:pos x="connsiteX47" y="connsiteY47"/>
-              </a:cxn>
-              <a:cxn ang="0">
-                <a:pos x="connsiteX48" y="connsiteY48"/>
-              </a:cxn>
-              <a:cxn ang="0">
-                <a:pos x="connsiteX49" y="connsiteY49"/>
-              </a:cxn>
-              <a:cxn ang="0">
-                <a:pos x="connsiteX50" y="connsiteY50"/>
-              </a:cxn>
-              <a:cxn ang="0">
-                <a:pos x="connsiteX51" y="connsiteY51"/>
-              </a:cxn>
-              <a:cxn ang="0">
-                <a:pos x="connsiteX52" y="connsiteY52"/>
-              </a:cxn>
-              <a:cxn ang="0">
-                <a:pos x="connsiteX53" y="connsiteY53"/>
-              </a:cxn>
-              <a:cxn ang="0">
-                <a:pos x="connsiteX54" y="connsiteY54"/>
-              </a:cxn>
-              <a:cxn ang="0">
-                <a:pos x="connsiteX55" y="connsiteY55"/>
-              </a:cxn>
-              <a:cxn ang="0">
-                <a:pos x="connsiteX56" y="connsiteY56"/>
-              </a:cxn>
-              <a:cxn ang="0">
-                <a:pos x="connsiteX57" y="connsiteY57"/>
-              </a:cxn>
-              <a:cxn ang="0">
-                <a:pos x="connsiteX58" y="connsiteY58"/>
-              </a:cxn>
-              <a:cxn ang="0">
-                <a:pos x="connsiteX59" y="connsiteY59"/>
-              </a:cxn>
-              <a:cxn ang="0">
-                <a:pos x="connsiteX60" y="connsiteY60"/>
-              </a:cxn>
-              <a:cxn ang="0">
-                <a:pos x="connsiteX61" y="connsiteY61"/>
-              </a:cxn>
-              <a:cxn ang="0">
-                <a:pos x="connsiteX62" y="connsiteY62"/>
-              </a:cxn>
-              <a:cxn ang="0">
-                <a:pos x="connsiteX63" y="connsiteY63"/>
-              </a:cxn>
-              <a:cxn ang="0">
-                <a:pos x="connsiteX64" y="connsiteY64"/>
-              </a:cxn>
-              <a:cxn ang="0">
-                <a:pos x="connsiteX65" y="connsiteY65"/>
-              </a:cxn>
-              <a:cxn ang="0">
-                <a:pos x="connsiteX66" y="connsiteY66"/>
-              </a:cxn>
-              <a:cxn ang="0">
-                <a:pos x="connsiteX67" y="connsiteY67"/>
-              </a:cxn>
-              <a:cxn ang="0">
-                <a:pos x="connsiteX68" y="connsiteY68"/>
-              </a:cxn>
-              <a:cxn ang="0">
-                <a:pos x="connsiteX69" y="connsiteY69"/>
-              </a:cxn>
-              <a:cxn ang="0">
-                <a:pos x="connsiteX70" y="connsiteY70"/>
-              </a:cxn>
-              <a:cxn ang="0">
-                <a:pos x="connsiteX71" y="connsiteY71"/>
-              </a:cxn>
-              <a:cxn ang="0">
-                <a:pos x="connsiteX72" y="connsiteY72"/>
-              </a:cxn>
-              <a:cxn ang="0">
-                <a:pos x="connsiteX73" y="connsiteY73"/>
-              </a:cxn>
-              <a:cxn ang="0">
-                <a:pos x="connsiteX74" y="connsiteY74"/>
-              </a:cxn>
-              <a:cxn ang="0">
-                <a:pos x="connsiteX75" y="connsiteY75"/>
-              </a:cxn>
-              <a:cxn ang="0">
-                <a:pos x="connsiteX76" y="connsiteY76"/>
-              </a:cxn>
-              <a:cxn ang="0">
-                <a:pos x="connsiteX77" y="connsiteY77"/>
-              </a:cxn>
-              <a:cxn ang="0">
-                <a:pos x="connsiteX78" y="connsiteY78"/>
-              </a:cxn>
-              <a:cxn ang="0">
-                <a:pos x="connsiteX79" y="connsiteY79"/>
-              </a:cxn>
-              <a:cxn ang="0">
-                <a:pos x="connsiteX80" y="connsiteY80"/>
-              </a:cxn>
-              <a:cxn ang="0">
-                <a:pos x="connsiteX81" y="connsiteY81"/>
-              </a:cxn>
-              <a:cxn ang="0">
-                <a:pos x="connsiteX82" y="connsiteY82"/>
-              </a:cxn>
-              <a:cxn ang="0">
-                <a:pos x="connsiteX83" y="connsiteY83"/>
-              </a:cxn>
-              <a:cxn ang="0">
-                <a:pos x="connsiteX84" y="connsiteY84"/>
-              </a:cxn>
-              <a:cxn ang="0">
-                <a:pos x="connsiteX85" y="connsiteY85"/>
-              </a:cxn>
-              <a:cxn ang="0">
-                <a:pos x="connsiteX86" y="connsiteY86"/>
-              </a:cxn>
-              <a:cxn ang="0">
-                <a:pos x="connsiteX87" y="connsiteY87"/>
-              </a:cxn>
-              <a:cxn ang="0">
-                <a:pos x="connsiteX88" y="connsiteY88"/>
-              </a:cxn>
-              <a:cxn ang="0">
-                <a:pos x="connsiteX89" y="connsiteY89"/>
-              </a:cxn>
-              <a:cxn ang="0">
-                <a:pos x="connsiteX90" y="connsiteY90"/>
-              </a:cxn>
-              <a:cxn ang="0">
-                <a:pos x="connsiteX91" y="connsiteY91"/>
-              </a:cxn>
-              <a:cxn ang="0">
-                <a:pos x="connsiteX92" y="connsiteY92"/>
-              </a:cxn>
-              <a:cxn ang="0">
-                <a:pos x="connsiteX93" y="connsiteY93"/>
-              </a:cxn>
-              <a:cxn ang="0">
-                <a:pos x="connsiteX94" y="connsiteY94"/>
-              </a:cxn>
-              <a:cxn ang="0">
-                <a:pos x="connsiteX95" y="connsiteY95"/>
-              </a:cxn>
-              <a:cxn ang="0">
-                <a:pos x="connsiteX96" y="connsiteY96"/>
-              </a:cxn>
-              <a:cxn ang="0">
-                <a:pos x="connsiteX97" y="connsiteY97"/>
-              </a:cxn>
-              <a:cxn ang="0">
-                <a:pos x="connsiteX98" y="connsiteY98"/>
-              </a:cxn>
-              <a:cxn ang="0">
-                <a:pos x="connsiteX99" y="connsiteY99"/>
-              </a:cxn>
-              <a:cxn ang="0">
-                <a:pos x="connsiteX100" y="connsiteY100"/>
-              </a:cxn>
-              <a:cxn ang="0">
-                <a:pos x="connsiteX101" y="connsiteY101"/>
-              </a:cxn>
-              <a:cxn ang="0">
-                <a:pos x="connsiteX102" y="connsiteY102"/>
-              </a:cxn>
-              <a:cxn ang="0">
-                <a:pos x="connsiteX103" y="connsiteY103"/>
-              </a:cxn>
-              <a:cxn ang="0">
-                <a:pos x="connsiteX104" y="connsiteY104"/>
-              </a:cxn>
-              <a:cxn ang="0">
-                <a:pos x="connsiteX105" y="connsiteY105"/>
-              </a:cxn>
-              <a:cxn ang="0">
-                <a:pos x="connsiteX106" y="connsiteY106"/>
-              </a:cxn>
-              <a:cxn ang="0">
-                <a:pos x="connsiteX107" y="connsiteY107"/>
-              </a:cxn>
-              <a:cxn ang="0">
-                <a:pos x="connsiteX108" y="connsiteY108"/>
-              </a:cxn>
-              <a:cxn ang="0">
-                <a:pos x="connsiteX109" y="connsiteY109"/>
-              </a:cxn>
-              <a:cxn ang="0">
-                <a:pos x="connsiteX110" y="connsiteY110"/>
-              </a:cxn>
-              <a:cxn ang="0">
-                <a:pos x="connsiteX111" y="connsiteY111"/>
-              </a:cxn>
-              <a:cxn ang="0">
-                <a:pos x="connsiteX112" y="connsiteY112"/>
-              </a:cxn>
-              <a:cxn ang="0">
-                <a:pos x="connsiteX113" y="connsiteY113"/>
-              </a:cxn>
-              <a:cxn ang="0">
-                <a:pos x="connsiteX114" y="connsiteY114"/>
-              </a:cxn>
-              <a:cxn ang="0">
-                <a:pos x="connsiteX115" y="connsiteY115"/>
-              </a:cxn>
-              <a:cxn ang="0">
-                <a:pos x="connsiteX116" y="connsiteY116"/>
-              </a:cxn>
-              <a:cxn ang="0">
-                <a:pos x="connsiteX117" y="connsiteY117"/>
-              </a:cxn>
-              <a:cxn ang="0">
-                <a:pos x="connsiteX118" y="connsiteY118"/>
-              </a:cxn>
-              <a:cxn ang="0">
-                <a:pos x="connsiteX119" y="connsiteY119"/>
-              </a:cxn>
-              <a:cxn ang="0">
-                <a:pos x="connsiteX120" y="connsiteY120"/>
-              </a:cxn>
-              <a:cxn ang="0">
-                <a:pos x="connsiteX121" y="connsiteY121"/>
-              </a:cxn>
-              <a:cxn ang="0">
-                <a:pos x="connsiteX122" y="connsiteY122"/>
-              </a:cxn>
-              <a:cxn ang="0">
-                <a:pos x="connsiteX123" y="connsiteY123"/>
-              </a:cxn>
-            </a:cxnLst>
-            <a:rect l="l" t="t" r="r" b="b"/>
-            <a:pathLst>
-              <a:path w="2222500" h="1250950">
-                <a:moveTo>
-                  <a:pt x="0" y="1250950"/>
-                </a:moveTo>
-                <a:cubicBezTo>
-                  <a:pt x="6350" y="1245658"/>
-                  <a:pt x="13607" y="1241296"/>
-                  <a:pt x="19050" y="1235075"/>
-                </a:cubicBezTo>
-                <a:cubicBezTo>
-                  <a:pt x="21254" y="1232556"/>
-                  <a:pt x="20728" y="1228543"/>
-                  <a:pt x="22225" y="1225550"/>
-                </a:cubicBezTo>
-                <a:cubicBezTo>
-                  <a:pt x="23932" y="1222137"/>
-                  <a:pt x="26868" y="1219438"/>
-                  <a:pt x="28575" y="1216025"/>
-                </a:cubicBezTo>
-                <a:cubicBezTo>
-                  <a:pt x="30072" y="1213032"/>
-                  <a:pt x="30090" y="1209406"/>
-                  <a:pt x="31750" y="1206500"/>
-                </a:cubicBezTo>
-                <a:cubicBezTo>
-                  <a:pt x="39235" y="1193402"/>
-                  <a:pt x="47886" y="1189972"/>
-                  <a:pt x="53975" y="1174750"/>
-                </a:cubicBezTo>
-                <a:cubicBezTo>
-                  <a:pt x="56092" y="1169458"/>
-                  <a:pt x="58010" y="1164083"/>
-                  <a:pt x="60325" y="1158875"/>
-                </a:cubicBezTo>
-                <a:cubicBezTo>
-                  <a:pt x="72294" y="1131944"/>
-                  <a:pt x="61380" y="1162483"/>
-                  <a:pt x="76200" y="1123950"/>
-                </a:cubicBezTo>
-                <a:cubicBezTo>
-                  <a:pt x="78603" y="1117703"/>
-                  <a:pt x="80064" y="1111115"/>
-                  <a:pt x="82550" y="1104900"/>
-                </a:cubicBezTo>
-                <a:cubicBezTo>
-                  <a:pt x="87432" y="1092696"/>
-                  <a:pt x="94146" y="1084331"/>
-                  <a:pt x="101600" y="1073150"/>
-                </a:cubicBezTo>
-                <a:cubicBezTo>
-                  <a:pt x="108208" y="1046719"/>
-                  <a:pt x="100162" y="1072851"/>
-                  <a:pt x="111125" y="1050925"/>
-                </a:cubicBezTo>
-                <a:cubicBezTo>
-                  <a:pt x="113674" y="1045827"/>
-                  <a:pt x="114926" y="1040148"/>
-                  <a:pt x="117475" y="1035050"/>
-                </a:cubicBezTo>
-                <a:cubicBezTo>
-                  <a:pt x="142257" y="985485"/>
-                  <a:pt x="120885" y="1030670"/>
-                  <a:pt x="136525" y="1003300"/>
-                </a:cubicBezTo>
-                <a:cubicBezTo>
-                  <a:pt x="138873" y="999191"/>
-                  <a:pt x="141213" y="995032"/>
-                  <a:pt x="142875" y="990600"/>
-                </a:cubicBezTo>
-                <a:cubicBezTo>
-                  <a:pt x="144407" y="986514"/>
-                  <a:pt x="144099" y="981803"/>
-                  <a:pt x="146050" y="977900"/>
-                </a:cubicBezTo>
-                <a:cubicBezTo>
-                  <a:pt x="150515" y="968970"/>
-                  <a:pt x="156971" y="961169"/>
-                  <a:pt x="161925" y="952500"/>
-                </a:cubicBezTo>
-                <a:cubicBezTo>
-                  <a:pt x="180951" y="919204"/>
-                  <a:pt x="161872" y="946220"/>
-                  <a:pt x="180975" y="920750"/>
-                </a:cubicBezTo>
-                <a:cubicBezTo>
-                  <a:pt x="189488" y="878185"/>
-                  <a:pt x="175724" y="936527"/>
-                  <a:pt x="196850" y="885825"/>
-                </a:cubicBezTo>
-                <a:cubicBezTo>
-                  <a:pt x="199326" y="879883"/>
-                  <a:pt x="197989" y="872882"/>
-                  <a:pt x="200025" y="866775"/>
-                </a:cubicBezTo>
-                <a:cubicBezTo>
-                  <a:pt x="201232" y="863155"/>
-                  <a:pt x="204825" y="860737"/>
-                  <a:pt x="206375" y="857250"/>
-                </a:cubicBezTo>
-                <a:cubicBezTo>
-                  <a:pt x="209093" y="851133"/>
-                  <a:pt x="210608" y="844550"/>
-                  <a:pt x="212725" y="838200"/>
-                </a:cubicBezTo>
-                <a:lnTo>
-                  <a:pt x="215900" y="828675"/>
-                </a:lnTo>
-                <a:cubicBezTo>
-                  <a:pt x="216958" y="825500"/>
-                  <a:pt x="217219" y="821935"/>
-                  <a:pt x="219075" y="819150"/>
-                </a:cubicBezTo>
-                <a:cubicBezTo>
-                  <a:pt x="221192" y="815975"/>
-                  <a:pt x="223718" y="813038"/>
-                  <a:pt x="225425" y="809625"/>
-                </a:cubicBezTo>
-                <a:cubicBezTo>
-                  <a:pt x="231730" y="797016"/>
-                  <a:pt x="224551" y="802274"/>
-                  <a:pt x="234950" y="790575"/>
-                </a:cubicBezTo>
-                <a:cubicBezTo>
-                  <a:pt x="240916" y="783863"/>
-                  <a:pt x="248612" y="778709"/>
-                  <a:pt x="254000" y="771525"/>
-                </a:cubicBezTo>
-                <a:cubicBezTo>
-                  <a:pt x="257175" y="767292"/>
-                  <a:pt x="259122" y="761760"/>
-                  <a:pt x="263525" y="758825"/>
-                </a:cubicBezTo>
-                <a:cubicBezTo>
-                  <a:pt x="269094" y="755112"/>
-                  <a:pt x="282575" y="752475"/>
-                  <a:pt x="282575" y="752475"/>
-                </a:cubicBezTo>
-                <a:cubicBezTo>
-                  <a:pt x="287517" y="752766"/>
-                  <a:pt x="335172" y="753074"/>
-                  <a:pt x="352425" y="758825"/>
-                </a:cubicBezTo>
-                <a:cubicBezTo>
-                  <a:pt x="356915" y="760322"/>
-                  <a:pt x="360800" y="763253"/>
-                  <a:pt x="365125" y="765175"/>
-                </a:cubicBezTo>
-                <a:cubicBezTo>
-                  <a:pt x="370333" y="767490"/>
-                  <a:pt x="375708" y="769408"/>
-                  <a:pt x="381000" y="771525"/>
-                </a:cubicBezTo>
-                <a:cubicBezTo>
-                  <a:pt x="384175" y="774700"/>
-                  <a:pt x="386789" y="778559"/>
-                  <a:pt x="390525" y="781050"/>
-                </a:cubicBezTo>
-                <a:cubicBezTo>
-                  <a:pt x="425018" y="804045"/>
-                  <a:pt x="396971" y="782685"/>
-                  <a:pt x="419100" y="793750"/>
-                </a:cubicBezTo>
-                <a:cubicBezTo>
-                  <a:pt x="424620" y="796510"/>
-                  <a:pt x="429542" y="800349"/>
-                  <a:pt x="434975" y="803275"/>
-                </a:cubicBezTo>
-                <a:cubicBezTo>
-                  <a:pt x="443310" y="807763"/>
-                  <a:pt x="451908" y="811742"/>
-                  <a:pt x="460375" y="815975"/>
-                </a:cubicBezTo>
-                <a:cubicBezTo>
-                  <a:pt x="464608" y="818092"/>
-                  <a:pt x="469016" y="819890"/>
-                  <a:pt x="473075" y="822325"/>
-                </a:cubicBezTo>
-                <a:cubicBezTo>
-                  <a:pt x="500521" y="838793"/>
-                  <a:pt x="477048" y="825854"/>
-                  <a:pt x="504825" y="838200"/>
-                </a:cubicBezTo>
-                <a:cubicBezTo>
-                  <a:pt x="509150" y="840122"/>
-                  <a:pt x="513175" y="842686"/>
-                  <a:pt x="517525" y="844550"/>
-                </a:cubicBezTo>
-                <a:cubicBezTo>
-                  <a:pt x="530562" y="850137"/>
-                  <a:pt x="526360" y="845931"/>
-                  <a:pt x="542925" y="850900"/>
-                </a:cubicBezTo>
-                <a:cubicBezTo>
-                  <a:pt x="548384" y="852538"/>
-                  <a:pt x="553164" y="856405"/>
-                  <a:pt x="558800" y="857250"/>
-                </a:cubicBezTo>
-                <a:cubicBezTo>
-                  <a:pt x="574534" y="859610"/>
-                  <a:pt x="590550" y="859367"/>
-                  <a:pt x="606425" y="860425"/>
-                </a:cubicBezTo>
-                <a:cubicBezTo>
-                  <a:pt x="630767" y="858308"/>
-                  <a:pt x="655309" y="857847"/>
-                  <a:pt x="679450" y="854075"/>
-                </a:cubicBezTo>
-                <a:lnTo>
-                  <a:pt x="717550" y="841375"/>
-                </a:lnTo>
-                <a:cubicBezTo>
-                  <a:pt x="720725" y="840317"/>
-                  <a:pt x="724290" y="840056"/>
-                  <a:pt x="727075" y="838200"/>
-                </a:cubicBezTo>
-                <a:cubicBezTo>
-                  <a:pt x="740231" y="829429"/>
-                  <a:pt x="732898" y="832775"/>
-                  <a:pt x="749300" y="828675"/>
-                </a:cubicBezTo>
-                <a:cubicBezTo>
-                  <a:pt x="753533" y="825500"/>
-                  <a:pt x="757513" y="821955"/>
-                  <a:pt x="762000" y="819150"/>
-                </a:cubicBezTo>
-                <a:cubicBezTo>
-                  <a:pt x="766014" y="816642"/>
-                  <a:pt x="770849" y="815551"/>
-                  <a:pt x="774700" y="812800"/>
-                </a:cubicBezTo>
-                <a:cubicBezTo>
-                  <a:pt x="778354" y="810190"/>
-                  <a:pt x="780776" y="806150"/>
-                  <a:pt x="784225" y="803275"/>
-                </a:cubicBezTo>
-                <a:cubicBezTo>
-                  <a:pt x="792431" y="796436"/>
-                  <a:pt x="793729" y="796932"/>
-                  <a:pt x="803275" y="793750"/>
-                </a:cubicBezTo>
-                <a:cubicBezTo>
-                  <a:pt x="806450" y="789517"/>
-                  <a:pt x="809058" y="784792"/>
-                  <a:pt x="812800" y="781050"/>
-                </a:cubicBezTo>
-                <a:cubicBezTo>
-                  <a:pt x="815498" y="778352"/>
-                  <a:pt x="819473" y="777235"/>
-                  <a:pt x="822325" y="774700"/>
-                </a:cubicBezTo>
-                <a:cubicBezTo>
-                  <a:pt x="829037" y="768734"/>
-                  <a:pt x="835765" y="762662"/>
-                  <a:pt x="841375" y="755650"/>
-                </a:cubicBezTo>
-                <a:cubicBezTo>
-                  <a:pt x="844332" y="751954"/>
-                  <a:pt x="844645" y="746544"/>
-                  <a:pt x="847725" y="742950"/>
-                </a:cubicBezTo>
-                <a:cubicBezTo>
-                  <a:pt x="851169" y="738932"/>
-                  <a:pt x="856683" y="737167"/>
-                  <a:pt x="860425" y="733425"/>
-                </a:cubicBezTo>
-                <a:cubicBezTo>
-                  <a:pt x="863123" y="730727"/>
-                  <a:pt x="864332" y="726831"/>
-                  <a:pt x="866775" y="723900"/>
-                </a:cubicBezTo>
-                <a:cubicBezTo>
-                  <a:pt x="899942" y="684100"/>
-                  <a:pt x="850153" y="749237"/>
-                  <a:pt x="885825" y="701675"/>
-                </a:cubicBezTo>
-                <a:cubicBezTo>
-                  <a:pt x="892347" y="682110"/>
-                  <a:pt x="886992" y="694827"/>
-                  <a:pt x="908050" y="666750"/>
-                </a:cubicBezTo>
-                <a:lnTo>
-                  <a:pt x="908050" y="666750"/>
-                </a:lnTo>
-                <a:cubicBezTo>
-                  <a:pt x="910167" y="662517"/>
-                  <a:pt x="911965" y="658109"/>
-                  <a:pt x="914400" y="654050"/>
-                </a:cubicBezTo>
-                <a:cubicBezTo>
-                  <a:pt x="918327" y="647506"/>
-                  <a:pt x="927100" y="635000"/>
-                  <a:pt x="927100" y="635000"/>
-                </a:cubicBezTo>
-                <a:cubicBezTo>
-                  <a:pt x="928937" y="627651"/>
-                  <a:pt x="934738" y="603849"/>
-                  <a:pt x="936625" y="600075"/>
-                </a:cubicBezTo>
-                <a:cubicBezTo>
-                  <a:pt x="939656" y="594014"/>
-                  <a:pt x="945092" y="589492"/>
-                  <a:pt x="949325" y="584200"/>
-                </a:cubicBezTo>
-                <a:cubicBezTo>
-                  <a:pt x="955230" y="560582"/>
-                  <a:pt x="948909" y="581961"/>
-                  <a:pt x="962025" y="552450"/>
-                </a:cubicBezTo>
-                <a:cubicBezTo>
-                  <a:pt x="968361" y="538193"/>
-                  <a:pt x="962198" y="545581"/>
-                  <a:pt x="968375" y="527050"/>
-                </a:cubicBezTo>
-                <a:cubicBezTo>
-                  <a:pt x="969872" y="522560"/>
-                  <a:pt x="973108" y="518798"/>
-                  <a:pt x="974725" y="514350"/>
-                </a:cubicBezTo>
-                <a:cubicBezTo>
-                  <a:pt x="975799" y="511395"/>
-                  <a:pt x="982873" y="486310"/>
-                  <a:pt x="984250" y="479425"/>
-                </a:cubicBezTo>
-                <a:cubicBezTo>
-                  <a:pt x="985513" y="473112"/>
-                  <a:pt x="986028" y="466659"/>
-                  <a:pt x="987425" y="460375"/>
-                </a:cubicBezTo>
-                <a:cubicBezTo>
-                  <a:pt x="988151" y="457108"/>
-                  <a:pt x="989944" y="454132"/>
-                  <a:pt x="990600" y="450850"/>
-                </a:cubicBezTo>
-                <a:cubicBezTo>
-                  <a:pt x="993125" y="438225"/>
-                  <a:pt x="995040" y="425483"/>
-                  <a:pt x="996950" y="412750"/>
-                </a:cubicBezTo>
-                <a:cubicBezTo>
-                  <a:pt x="998216" y="404312"/>
-                  <a:pt x="998722" y="395766"/>
-                  <a:pt x="1000125" y="387350"/>
-                </a:cubicBezTo>
-                <a:cubicBezTo>
-                  <a:pt x="1001454" y="379377"/>
-                  <a:pt x="1003959" y="372674"/>
-                  <a:pt x="1006475" y="365125"/>
-                </a:cubicBezTo>
-                <a:cubicBezTo>
-                  <a:pt x="1007533" y="355600"/>
-                  <a:pt x="1008074" y="346003"/>
-                  <a:pt x="1009650" y="336550"/>
-                </a:cubicBezTo>
-                <a:cubicBezTo>
-                  <a:pt x="1010200" y="333249"/>
-                  <a:pt x="1011906" y="330243"/>
-                  <a:pt x="1012825" y="327025"/>
-                </a:cubicBezTo>
-                <a:cubicBezTo>
-                  <a:pt x="1016828" y="313014"/>
-                  <a:pt x="1014607" y="316980"/>
-                  <a:pt x="1019175" y="304800"/>
-                </a:cubicBezTo>
-                <a:cubicBezTo>
-                  <a:pt x="1021176" y="299464"/>
-                  <a:pt x="1023887" y="294384"/>
-                  <a:pt x="1025525" y="288925"/>
-                </a:cubicBezTo>
-                <a:cubicBezTo>
-                  <a:pt x="1034757" y="258151"/>
-                  <a:pt x="1021788" y="286874"/>
-                  <a:pt x="1035050" y="260350"/>
-                </a:cubicBezTo>
-                <a:cubicBezTo>
-                  <a:pt x="1041218" y="223340"/>
-                  <a:pt x="1033717" y="256830"/>
-                  <a:pt x="1044575" y="228600"/>
-                </a:cubicBezTo>
-                <a:cubicBezTo>
-                  <a:pt x="1048179" y="219229"/>
-                  <a:pt x="1048531" y="208379"/>
-                  <a:pt x="1054100" y="200025"/>
-                </a:cubicBezTo>
-                <a:cubicBezTo>
-                  <a:pt x="1056217" y="196850"/>
-                  <a:pt x="1058743" y="193913"/>
-                  <a:pt x="1060450" y="190500"/>
-                </a:cubicBezTo>
-                <a:cubicBezTo>
-                  <a:pt x="1061947" y="187507"/>
-                  <a:pt x="1061534" y="183588"/>
-                  <a:pt x="1063625" y="180975"/>
-                </a:cubicBezTo>
-                <a:cubicBezTo>
-                  <a:pt x="1066009" y="177995"/>
-                  <a:pt x="1069790" y="176434"/>
-                  <a:pt x="1073150" y="174625"/>
-                </a:cubicBezTo>
-                <a:cubicBezTo>
-                  <a:pt x="1083568" y="169015"/>
-                  <a:pt x="1093421" y="161620"/>
-                  <a:pt x="1104900" y="158750"/>
-                </a:cubicBezTo>
-                <a:cubicBezTo>
-                  <a:pt x="1109133" y="157692"/>
-                  <a:pt x="1113404" y="156774"/>
-                  <a:pt x="1117600" y="155575"/>
-                </a:cubicBezTo>
-                <a:cubicBezTo>
-                  <a:pt x="1131722" y="151540"/>
-                  <a:pt x="1123282" y="152534"/>
-                  <a:pt x="1139825" y="149225"/>
-                </a:cubicBezTo>
-                <a:cubicBezTo>
-                  <a:pt x="1146138" y="147962"/>
-                  <a:pt x="1152630" y="147611"/>
-                  <a:pt x="1158875" y="146050"/>
-                </a:cubicBezTo>
-                <a:cubicBezTo>
-                  <a:pt x="1165369" y="144427"/>
-                  <a:pt x="1171403" y="141205"/>
-                  <a:pt x="1177925" y="139700"/>
-                </a:cubicBezTo>
-                <a:cubicBezTo>
-                  <a:pt x="1185217" y="138017"/>
-                  <a:pt x="1192833" y="138093"/>
-                  <a:pt x="1200150" y="136525"/>
-                </a:cubicBezTo>
-                <a:cubicBezTo>
-                  <a:pt x="1207684" y="134911"/>
-                  <a:pt x="1214775" y="131442"/>
-                  <a:pt x="1222375" y="130175"/>
-                </a:cubicBezTo>
-                <a:cubicBezTo>
-                  <a:pt x="1246589" y="126139"/>
-                  <a:pt x="1295400" y="120650"/>
-                  <a:pt x="1295400" y="120650"/>
-                </a:cubicBezTo>
-                <a:cubicBezTo>
-                  <a:pt x="1330418" y="103141"/>
-                  <a:pt x="1300667" y="115858"/>
-                  <a:pt x="1381125" y="111125"/>
-                </a:cubicBezTo>
-                <a:cubicBezTo>
-                  <a:pt x="1392795" y="110439"/>
-                  <a:pt x="1404408" y="109008"/>
-                  <a:pt x="1416050" y="107950"/>
-                </a:cubicBezTo>
-                <a:cubicBezTo>
-                  <a:pt x="1485429" y="84824"/>
-                  <a:pt x="1429737" y="102217"/>
-                  <a:pt x="1616075" y="107950"/>
-                </a:cubicBezTo>
-                <a:cubicBezTo>
-                  <a:pt x="1621469" y="108116"/>
-                  <a:pt x="1626715" y="109816"/>
-                  <a:pt x="1631950" y="111125"/>
-                </a:cubicBezTo>
-                <a:cubicBezTo>
-                  <a:pt x="1635197" y="111937"/>
-                  <a:pt x="1638341" y="113125"/>
-                  <a:pt x="1641475" y="114300"/>
-                </a:cubicBezTo>
-                <a:cubicBezTo>
-                  <a:pt x="1646811" y="116301"/>
-                  <a:pt x="1651797" y="119368"/>
-                  <a:pt x="1657350" y="120650"/>
-                </a:cubicBezTo>
-                <a:cubicBezTo>
-                  <a:pt x="1684410" y="126895"/>
-                  <a:pt x="1675837" y="120462"/>
-                  <a:pt x="1695450" y="127000"/>
-                </a:cubicBezTo>
-                <a:cubicBezTo>
-                  <a:pt x="1700857" y="128802"/>
-                  <a:pt x="1705989" y="131349"/>
-                  <a:pt x="1711325" y="133350"/>
-                </a:cubicBezTo>
-                <a:cubicBezTo>
-                  <a:pt x="1714459" y="134525"/>
-                  <a:pt x="1717792" y="135166"/>
-                  <a:pt x="1720850" y="136525"/>
-                </a:cubicBezTo>
-                <a:cubicBezTo>
-                  <a:pt x="1727338" y="139408"/>
-                  <a:pt x="1733274" y="143501"/>
-                  <a:pt x="1739900" y="146050"/>
-                </a:cubicBezTo>
-                <a:cubicBezTo>
-                  <a:pt x="1752628" y="150945"/>
-                  <a:pt x="1764856" y="152946"/>
-                  <a:pt x="1778000" y="155575"/>
-                </a:cubicBezTo>
-                <a:cubicBezTo>
-                  <a:pt x="1785617" y="160653"/>
-                  <a:pt x="1791363" y="165052"/>
-                  <a:pt x="1800225" y="168275"/>
-                </a:cubicBezTo>
-                <a:cubicBezTo>
-                  <a:pt x="1807466" y="170908"/>
-                  <a:pt x="1815042" y="172508"/>
-                  <a:pt x="1822450" y="174625"/>
-                </a:cubicBezTo>
-                <a:cubicBezTo>
-                  <a:pt x="1876913" y="208664"/>
-                  <a:pt x="1820729" y="175352"/>
-                  <a:pt x="1870075" y="200025"/>
-                </a:cubicBezTo>
-                <a:cubicBezTo>
-                  <a:pt x="1875595" y="202785"/>
-                  <a:pt x="1880332" y="206996"/>
-                  <a:pt x="1885950" y="209550"/>
-                </a:cubicBezTo>
-                <a:cubicBezTo>
-                  <a:pt x="1892044" y="212320"/>
-                  <a:pt x="1898934" y="213069"/>
-                  <a:pt x="1905000" y="215900"/>
-                </a:cubicBezTo>
-                <a:cubicBezTo>
-                  <a:pt x="1950677" y="237216"/>
-                  <a:pt x="1917683" y="227802"/>
-                  <a:pt x="1946275" y="234950"/>
-                </a:cubicBezTo>
-                <a:cubicBezTo>
-                  <a:pt x="1974150" y="251675"/>
-                  <a:pt x="1950324" y="239475"/>
-                  <a:pt x="1974850" y="247650"/>
-                </a:cubicBezTo>
-                <a:cubicBezTo>
-                  <a:pt x="1990836" y="252979"/>
-                  <a:pt x="2001544" y="260566"/>
-                  <a:pt x="2019300" y="263525"/>
-                </a:cubicBezTo>
-                <a:lnTo>
-                  <a:pt x="2057400" y="269875"/>
-                </a:lnTo>
-                <a:cubicBezTo>
-                  <a:pt x="2063750" y="270933"/>
-                  <a:pt x="2070044" y="272409"/>
-                  <a:pt x="2076450" y="273050"/>
-                </a:cubicBezTo>
-                <a:lnTo>
-                  <a:pt x="2108200" y="276225"/>
-                </a:lnTo>
-                <a:cubicBezTo>
-                  <a:pt x="2121958" y="275167"/>
-                  <a:pt x="2136384" y="277414"/>
-                  <a:pt x="2149475" y="273050"/>
-                </a:cubicBezTo>
-                <a:cubicBezTo>
-                  <a:pt x="2156059" y="270855"/>
-                  <a:pt x="2158645" y="242898"/>
-                  <a:pt x="2159000" y="241300"/>
-                </a:cubicBezTo>
-                <a:cubicBezTo>
-                  <a:pt x="2160486" y="234612"/>
-                  <a:pt x="2166877" y="220844"/>
-                  <a:pt x="2168525" y="215900"/>
-                </a:cubicBezTo>
-                <a:cubicBezTo>
-                  <a:pt x="2170961" y="208591"/>
-                  <a:pt x="2172661" y="201055"/>
-                  <a:pt x="2174875" y="193675"/>
-                </a:cubicBezTo>
-                <a:cubicBezTo>
-                  <a:pt x="2175837" y="190469"/>
-                  <a:pt x="2176992" y="187325"/>
-                  <a:pt x="2178050" y="184150"/>
-                </a:cubicBezTo>
-                <a:cubicBezTo>
-                  <a:pt x="2184085" y="135873"/>
-                  <a:pt x="2178166" y="178199"/>
-                  <a:pt x="2184400" y="142875"/>
-                </a:cubicBezTo>
-                <a:cubicBezTo>
-                  <a:pt x="2186638" y="130196"/>
-                  <a:pt x="2188225" y="117400"/>
-                  <a:pt x="2190750" y="104775"/>
-                </a:cubicBezTo>
-                <a:cubicBezTo>
-                  <a:pt x="2191406" y="101493"/>
-                  <a:pt x="2193063" y="98484"/>
-                  <a:pt x="2193925" y="95250"/>
-                </a:cubicBezTo>
-                <a:cubicBezTo>
-                  <a:pt x="2197298" y="82601"/>
-                  <a:pt x="2200883" y="69987"/>
-                  <a:pt x="2203450" y="57150"/>
-                </a:cubicBezTo>
-                <a:cubicBezTo>
-                  <a:pt x="2204508" y="51858"/>
-                  <a:pt x="2205316" y="46510"/>
-                  <a:pt x="2206625" y="41275"/>
-                </a:cubicBezTo>
-                <a:cubicBezTo>
-                  <a:pt x="2207437" y="38028"/>
-                  <a:pt x="2208988" y="34997"/>
-                  <a:pt x="2209800" y="31750"/>
-                </a:cubicBezTo>
-                <a:cubicBezTo>
-                  <a:pt x="2210776" y="27848"/>
-                  <a:pt x="2213040" y="11534"/>
-                  <a:pt x="2216150" y="6350"/>
-                </a:cubicBezTo>
-                <a:cubicBezTo>
-                  <a:pt x="2217690" y="3783"/>
-                  <a:pt x="2220383" y="2117"/>
-                  <a:pt x="2222500" y="0"/>
-                </a:cubicBezTo>
-              </a:path>
-            </a:pathLst>
-          </a:custGeom>
-          <a:noFill/>
-          <a:ln w="19050">
-            <a:solidFill>
-              <a:srgbClr val="FF0000"/>
-            </a:solidFill>
-          </a:ln>
-        </p:spPr>
-        <p:style>
-          <a:lnRef idx="2">
-            <a:schemeClr val="accent1">
-              <a:shade val="50000"/>
-            </a:schemeClr>
-          </a:lnRef>
-          <a:fillRef idx="1">
-            <a:schemeClr val="accent1"/>
-          </a:fillRef>
-          <a:effectRef idx="0">
-            <a:schemeClr val="accent1"/>
-          </a:effectRef>
-          <a:fontRef idx="minor">
-            <a:schemeClr val="lt1"/>
-          </a:fontRef>
-        </p:style>
-        <p:txBody>
-          <a:bodyPr rtlCol="0" anchor="ctr"/>
-          <a:lstStyle/>
-          <a:p>
-            <a:pPr algn="ctr"/>
-            <a:endParaRPr lang="en-US"/>
-          </a:p>
-        </p:txBody>
-      </p:sp>
       <p:cxnSp>
         <p:nvCxnSpPr>
           <p:cNvPr id="63" name="Straight Connector 62"/>
@@ -5762,7 +4518,7 @@
           <a:prstGeom prst="line">
             <a:avLst/>
           </a:prstGeom>
-          <a:ln w="19050">
+          <a:ln w="38100">
             <a:solidFill>
               <a:srgbClr val="FF0000"/>
             </a:solidFill>
@@ -5797,7 +4553,7 @@
           <a:prstGeom prst="line">
             <a:avLst/>
           </a:prstGeom>
-          <a:ln w="19050">
+          <a:ln w="38100">
             <a:solidFill>
               <a:srgbClr val="FF0000"/>
             </a:solidFill>
@@ -5832,7 +4588,7 @@
           <a:prstGeom prst="line">
             <a:avLst/>
           </a:prstGeom>
-          <a:ln w="19050">
+          <a:ln w="38100">
             <a:solidFill>
               <a:srgbClr val="FF0000"/>
             </a:solidFill>
@@ -5861,10 +4617,10 @@
         </p:nvGrpSpPr>
         <p:grpSpPr>
           <a:xfrm>
-            <a:off x="1131624" y="352195"/>
-            <a:ext cx="4013267" cy="2894540"/>
-            <a:chOff x="1131624" y="352195"/>
-            <a:chExt cx="4013267" cy="2894540"/>
+            <a:off x="1131624" y="305540"/>
+            <a:ext cx="4013267" cy="2986873"/>
+            <a:chOff x="1131624" y="305540"/>
+            <a:chExt cx="4013267" cy="2986873"/>
           </a:xfrm>
         </p:grpSpPr>
         <mc:AlternateContent xmlns:mc="http://schemas.openxmlformats.org/markup-compatibility/2006">
@@ -5877,8 +4633,8 @@
               </p:nvSpPr>
               <p:spPr>
                 <a:xfrm>
-                  <a:off x="1131624" y="352195"/>
-                  <a:ext cx="332558" cy="369332"/>
+                  <a:off x="1131624" y="305540"/>
+                  <a:ext cx="332558" cy="461665"/>
                 </a:xfrm>
                 <a:prstGeom prst="rect">
                   <a:avLst/>
@@ -5899,7 +4655,7 @@
                       </m:oMathParaPr>
                       <m:oMath xmlns:m="http://schemas.openxmlformats.org/officeDocument/2006/math">
                         <m:r>
-                          <a:rPr lang="en-US" b="0" i="1" dirty="0" smtClean="0">
+                          <a:rPr lang="en-US" sz="2400" b="0" i="1" dirty="0" smtClean="0">
                             <a:latin typeface="Cambria Math" panose="02040503050406030204" pitchFamily="18" charset="0"/>
                           </a:rPr>
                           <m:t>𝑓</m:t>
@@ -5907,7 +4663,7 @@
                       </m:oMath>
                     </m:oMathPara>
                   </a14:m>
-                  <a:endParaRPr lang="en-US" dirty="0"/>
+                  <a:endParaRPr lang="en-US" sz="2400" dirty="0"/>
                 </a:p>
               </p:txBody>
             </p:sp>
@@ -5923,8 +4679,8 @@
               </p:nvSpPr>
               <p:spPr>
                 <a:xfrm>
-                  <a:off x="1131624" y="352195"/>
-                  <a:ext cx="332558" cy="369332"/>
+                  <a:off x="1131624" y="305540"/>
+                  <a:ext cx="332558" cy="461665"/>
                 </a:xfrm>
                 <a:prstGeom prst="rect">
                   <a:avLst/>
@@ -5932,7 +4688,7 @@
                 <a:blipFill rotWithShape="0">
                   <a:blip r:embed="rId2"/>
                   <a:stretch>
-                    <a:fillRect l="-12963" b="-13333"/>
+                    <a:fillRect l="-31481" r="-5556" b="-17105"/>
                   </a:stretch>
                 </a:blipFill>
               </p:spPr>
@@ -5961,8 +4717,8 @@
               </p:nvSpPr>
               <p:spPr>
                 <a:xfrm>
-                  <a:off x="4812333" y="2877403"/>
-                  <a:ext cx="332558" cy="369332"/>
+                  <a:off x="4812333" y="2830748"/>
+                  <a:ext cx="332558" cy="461665"/>
                 </a:xfrm>
                 <a:prstGeom prst="rect">
                   <a:avLst/>
@@ -5983,7 +4739,7 @@
                       </m:oMathParaPr>
                       <m:oMath xmlns:m="http://schemas.openxmlformats.org/officeDocument/2006/math">
                         <m:r>
-                          <a:rPr lang="en-US" b="0" i="1" smtClean="0">
+                          <a:rPr lang="en-US" sz="2400" b="0" i="1" smtClean="0">
                             <a:latin typeface="Cambria Math" panose="02040503050406030204" pitchFamily="18" charset="0"/>
                           </a:rPr>
                           <m:t>𝑡</m:t>
@@ -5991,7 +4747,7 @@
                       </m:oMath>
                     </m:oMathPara>
                   </a14:m>
-                  <a:endParaRPr lang="en-US" dirty="0"/>
+                  <a:endParaRPr lang="en-US" sz="2400" dirty="0"/>
                 </a:p>
               </p:txBody>
             </p:sp>
@@ -6007,8 +4763,8 @@
               </p:nvSpPr>
               <p:spPr>
                 <a:xfrm>
-                  <a:off x="4812333" y="2877403"/>
-                  <a:ext cx="332558" cy="369332"/>
+                  <a:off x="4812333" y="2830748"/>
+                  <a:ext cx="332558" cy="461665"/>
                 </a:xfrm>
                 <a:prstGeom prst="rect">
                   <a:avLst/>
@@ -6016,7 +4772,7 @@
                 <a:blipFill rotWithShape="0">
                   <a:blip r:embed="rId3"/>
                   <a:stretch>
-                    <a:fillRect/>
+                    <a:fillRect l="-7273"/>
                   </a:stretch>
                 </a:blipFill>
               </p:spPr>
@@ -6044,10 +4800,10 @@
         </p:nvGrpSpPr>
         <p:grpSpPr>
           <a:xfrm>
-            <a:off x="6644568" y="346605"/>
-            <a:ext cx="4013267" cy="2894540"/>
-            <a:chOff x="1131624" y="352195"/>
-            <a:chExt cx="4013267" cy="2894540"/>
+            <a:off x="6644568" y="318612"/>
+            <a:ext cx="4013267" cy="2986873"/>
+            <a:chOff x="1131624" y="324202"/>
+            <a:chExt cx="4013267" cy="2986873"/>
           </a:xfrm>
         </p:grpSpPr>
         <mc:AlternateContent xmlns:mc="http://schemas.openxmlformats.org/markup-compatibility/2006">
@@ -6060,8 +4816,8 @@
               </p:nvSpPr>
               <p:spPr>
                 <a:xfrm>
-                  <a:off x="1131624" y="352195"/>
-                  <a:ext cx="332558" cy="369332"/>
+                  <a:off x="1131624" y="324202"/>
+                  <a:ext cx="332558" cy="461665"/>
                 </a:xfrm>
                 <a:prstGeom prst="rect">
                   <a:avLst/>
@@ -6082,7 +4838,7 @@
                       </m:oMathParaPr>
                       <m:oMath xmlns:m="http://schemas.openxmlformats.org/officeDocument/2006/math">
                         <m:r>
-                          <a:rPr lang="en-US" b="0" i="1" dirty="0" smtClean="0">
+                          <a:rPr lang="en-US" sz="2400" b="0" i="1" dirty="0" smtClean="0">
                             <a:latin typeface="Cambria Math" panose="02040503050406030204" pitchFamily="18" charset="0"/>
                           </a:rPr>
                           <m:t>𝑓</m:t>
@@ -6090,7 +4846,7 @@
                       </m:oMath>
                     </m:oMathPara>
                   </a14:m>
-                  <a:endParaRPr lang="en-US" dirty="0"/>
+                  <a:endParaRPr lang="en-US" sz="2400" dirty="0"/>
                 </a:p>
               </p:txBody>
             </p:sp>
@@ -6106,8 +4862,8 @@
               </p:nvSpPr>
               <p:spPr>
                 <a:xfrm>
-                  <a:off x="1131624" y="352195"/>
-                  <a:ext cx="332558" cy="369332"/>
+                  <a:off x="1131624" y="324202"/>
+                  <a:ext cx="332558" cy="461665"/>
                 </a:xfrm>
                 <a:prstGeom prst="rect">
                   <a:avLst/>
@@ -6115,7 +4871,7 @@
                 <a:blipFill rotWithShape="0">
                   <a:blip r:embed="rId4"/>
                   <a:stretch>
-                    <a:fillRect l="-10909" b="-13333"/>
+                    <a:fillRect l="-29091" r="-5455" b="-17105"/>
                   </a:stretch>
                 </a:blipFill>
               </p:spPr>
@@ -6144,8 +4900,8 @@
               </p:nvSpPr>
               <p:spPr>
                 <a:xfrm>
-                  <a:off x="4812333" y="2877403"/>
-                  <a:ext cx="332558" cy="369332"/>
+                  <a:off x="4812333" y="2849410"/>
+                  <a:ext cx="332558" cy="461665"/>
                 </a:xfrm>
                 <a:prstGeom prst="rect">
                   <a:avLst/>
@@ -6166,7 +4922,7 @@
                       </m:oMathParaPr>
                       <m:oMath xmlns:m="http://schemas.openxmlformats.org/officeDocument/2006/math">
                         <m:r>
-                          <a:rPr lang="en-US" b="0" i="1" smtClean="0">
+                          <a:rPr lang="en-US" sz="2400" b="0" i="1" smtClean="0">
                             <a:latin typeface="Cambria Math" panose="02040503050406030204" pitchFamily="18" charset="0"/>
                           </a:rPr>
                           <m:t>𝑡</m:t>
@@ -6174,7 +4930,7 @@
                       </m:oMath>
                     </m:oMathPara>
                   </a14:m>
-                  <a:endParaRPr lang="en-US" dirty="0"/>
+                  <a:endParaRPr lang="en-US" sz="2400" dirty="0"/>
                 </a:p>
               </p:txBody>
             </p:sp>
@@ -6190,8 +4946,8 @@
               </p:nvSpPr>
               <p:spPr>
                 <a:xfrm>
-                  <a:off x="4812333" y="2877403"/>
-                  <a:ext cx="332558" cy="369332"/>
+                  <a:off x="4812333" y="2849410"/>
+                  <a:ext cx="332558" cy="461665"/>
                 </a:xfrm>
                 <a:prstGeom prst="rect">
                   <a:avLst/>
@@ -6199,7 +4955,7 @@
                 <a:blipFill rotWithShape="0">
                   <a:blip r:embed="rId5"/>
                   <a:stretch>
-                    <a:fillRect/>
+                    <a:fillRect l="-7407"/>
                   </a:stretch>
                 </a:blipFill>
               </p:spPr>
@@ -6227,10 +4983,10 @@
         </p:nvGrpSpPr>
         <p:grpSpPr>
           <a:xfrm>
-            <a:off x="6644568" y="3381150"/>
-            <a:ext cx="4013267" cy="2894540"/>
-            <a:chOff x="1131624" y="352195"/>
-            <a:chExt cx="4013267" cy="2894540"/>
+            <a:off x="6644568" y="3362488"/>
+            <a:ext cx="4013267" cy="2986873"/>
+            <a:chOff x="1131624" y="333533"/>
+            <a:chExt cx="4013267" cy="2986873"/>
           </a:xfrm>
         </p:grpSpPr>
         <mc:AlternateContent xmlns:mc="http://schemas.openxmlformats.org/markup-compatibility/2006">
@@ -6243,8 +4999,8 @@
               </p:nvSpPr>
               <p:spPr>
                 <a:xfrm>
-                  <a:off x="1131624" y="352195"/>
-                  <a:ext cx="332558" cy="369332"/>
+                  <a:off x="1131624" y="333533"/>
+                  <a:ext cx="332558" cy="461665"/>
                 </a:xfrm>
                 <a:prstGeom prst="rect">
                   <a:avLst/>
@@ -6265,7 +5021,7 @@
                       </m:oMathParaPr>
                       <m:oMath xmlns:m="http://schemas.openxmlformats.org/officeDocument/2006/math">
                         <m:r>
-                          <a:rPr lang="en-US" b="0" i="1" dirty="0" smtClean="0">
+                          <a:rPr lang="en-US" sz="2400" b="0" i="1" dirty="0" smtClean="0">
                             <a:latin typeface="Cambria Math" panose="02040503050406030204" pitchFamily="18" charset="0"/>
                           </a:rPr>
                           <m:t>𝑓</m:t>
@@ -6273,7 +5029,7 @@
                       </m:oMath>
                     </m:oMathPara>
                   </a14:m>
-                  <a:endParaRPr lang="en-US" dirty="0"/>
+                  <a:endParaRPr lang="en-US" sz="2400" dirty="0"/>
                 </a:p>
               </p:txBody>
             </p:sp>
@@ -6289,8 +5045,8 @@
               </p:nvSpPr>
               <p:spPr>
                 <a:xfrm>
-                  <a:off x="1131624" y="352195"/>
-                  <a:ext cx="332558" cy="369332"/>
+                  <a:off x="1131624" y="333533"/>
+                  <a:ext cx="332558" cy="461665"/>
                 </a:xfrm>
                 <a:prstGeom prst="rect">
                   <a:avLst/>
@@ -6298,7 +5054,7 @@
                 <a:blipFill rotWithShape="0">
                   <a:blip r:embed="rId6"/>
                   <a:stretch>
-                    <a:fillRect l="-10909" b="-13333"/>
+                    <a:fillRect l="-29091" r="-5455" b="-18667"/>
                   </a:stretch>
                 </a:blipFill>
               </p:spPr>
@@ -6327,8 +5083,8 @@
               </p:nvSpPr>
               <p:spPr>
                 <a:xfrm>
-                  <a:off x="4812333" y="2877403"/>
-                  <a:ext cx="332558" cy="369332"/>
+                  <a:off x="4812333" y="2858741"/>
+                  <a:ext cx="332558" cy="461665"/>
                 </a:xfrm>
                 <a:prstGeom prst="rect">
                   <a:avLst/>
@@ -6349,7 +5105,7 @@
                       </m:oMathParaPr>
                       <m:oMath xmlns:m="http://schemas.openxmlformats.org/officeDocument/2006/math">
                         <m:r>
-                          <a:rPr lang="en-US" b="0" i="1" smtClean="0">
+                          <a:rPr lang="en-US" sz="2400" b="0" i="1" smtClean="0">
                             <a:latin typeface="Cambria Math" panose="02040503050406030204" pitchFamily="18" charset="0"/>
                           </a:rPr>
                           <m:t>𝑡</m:t>
@@ -6357,7 +5113,7 @@
                       </m:oMath>
                     </m:oMathPara>
                   </a14:m>
-                  <a:endParaRPr lang="en-US" dirty="0"/>
+                  <a:endParaRPr lang="en-US" sz="2400" dirty="0"/>
                 </a:p>
               </p:txBody>
             </p:sp>
@@ -6373,8 +5129,8 @@
               </p:nvSpPr>
               <p:spPr>
                 <a:xfrm>
-                  <a:off x="4812333" y="2877403"/>
-                  <a:ext cx="332558" cy="369332"/>
+                  <a:off x="4812333" y="2858741"/>
+                  <a:ext cx="332558" cy="461665"/>
                 </a:xfrm>
                 <a:prstGeom prst="rect">
                   <a:avLst/>
@@ -6382,7 +5138,7 @@
                 <a:blipFill rotWithShape="0">
                   <a:blip r:embed="rId7"/>
                   <a:stretch>
-                    <a:fillRect/>
+                    <a:fillRect l="-7407"/>
                   </a:stretch>
                 </a:blipFill>
               </p:spPr>
@@ -6410,10 +5166,10 @@
         </p:nvGrpSpPr>
         <p:grpSpPr>
           <a:xfrm>
-            <a:off x="1131624" y="3381150"/>
-            <a:ext cx="4013267" cy="2894540"/>
-            <a:chOff x="1131624" y="352195"/>
-            <a:chExt cx="4013267" cy="2894540"/>
+            <a:off x="1131624" y="3343826"/>
+            <a:ext cx="4013267" cy="2986873"/>
+            <a:chOff x="1131624" y="314871"/>
+            <a:chExt cx="4013267" cy="2986873"/>
           </a:xfrm>
         </p:grpSpPr>
         <mc:AlternateContent xmlns:mc="http://schemas.openxmlformats.org/markup-compatibility/2006">
@@ -6426,8 +5182,8 @@
               </p:nvSpPr>
               <p:spPr>
                 <a:xfrm>
-                  <a:off x="1131624" y="352195"/>
-                  <a:ext cx="332558" cy="369332"/>
+                  <a:off x="1131624" y="314871"/>
+                  <a:ext cx="332558" cy="461665"/>
                 </a:xfrm>
                 <a:prstGeom prst="rect">
                   <a:avLst/>
@@ -6448,7 +5204,7 @@
                       </m:oMathParaPr>
                       <m:oMath xmlns:m="http://schemas.openxmlformats.org/officeDocument/2006/math">
                         <m:r>
-                          <a:rPr lang="en-US" b="0" i="1" dirty="0" smtClean="0">
+                          <a:rPr lang="en-US" sz="2400" b="0" i="1" dirty="0" smtClean="0">
                             <a:latin typeface="Cambria Math" panose="02040503050406030204" pitchFamily="18" charset="0"/>
                           </a:rPr>
                           <m:t>𝑓</m:t>
@@ -6456,7 +5212,7 @@
                       </m:oMath>
                     </m:oMathPara>
                   </a14:m>
-                  <a:endParaRPr lang="en-US" dirty="0"/>
+                  <a:endParaRPr lang="en-US" sz="2400" dirty="0"/>
                 </a:p>
               </p:txBody>
             </p:sp>
@@ -6472,8 +5228,8 @@
               </p:nvSpPr>
               <p:spPr>
                 <a:xfrm>
-                  <a:off x="1131624" y="352195"/>
-                  <a:ext cx="332558" cy="369332"/>
+                  <a:off x="1131624" y="314871"/>
+                  <a:ext cx="332558" cy="461665"/>
                 </a:xfrm>
                 <a:prstGeom prst="rect">
                   <a:avLst/>
@@ -6481,7 +5237,7 @@
                 <a:blipFill rotWithShape="0">
                   <a:blip r:embed="rId8"/>
                   <a:stretch>
-                    <a:fillRect l="-12963" b="-13333"/>
+                    <a:fillRect l="-31481" r="-5556" b="-18667"/>
                   </a:stretch>
                 </a:blipFill>
               </p:spPr>
@@ -6510,8 +5266,8 @@
               </p:nvSpPr>
               <p:spPr>
                 <a:xfrm>
-                  <a:off x="4812333" y="2877403"/>
-                  <a:ext cx="332558" cy="369332"/>
+                  <a:off x="4812333" y="2840079"/>
+                  <a:ext cx="332558" cy="461665"/>
                 </a:xfrm>
                 <a:prstGeom prst="rect">
                   <a:avLst/>
@@ -6532,7 +5288,7 @@
                       </m:oMathParaPr>
                       <m:oMath xmlns:m="http://schemas.openxmlformats.org/officeDocument/2006/math">
                         <m:r>
-                          <a:rPr lang="en-US" b="0" i="1" smtClean="0">
+                          <a:rPr lang="en-US" sz="2400" b="0" i="1" smtClean="0">
                             <a:latin typeface="Cambria Math" panose="02040503050406030204" pitchFamily="18" charset="0"/>
                           </a:rPr>
                           <m:t>𝑡</m:t>
@@ -6540,7 +5296,7 @@
                       </m:oMath>
                     </m:oMathPara>
                   </a14:m>
-                  <a:endParaRPr lang="en-US" dirty="0"/>
+                  <a:endParaRPr lang="en-US" sz="2400" dirty="0"/>
                 </a:p>
               </p:txBody>
             </p:sp>
@@ -6556,8 +5312,8 @@
               </p:nvSpPr>
               <p:spPr>
                 <a:xfrm>
-                  <a:off x="4812333" y="2877403"/>
-                  <a:ext cx="332558" cy="369332"/>
+                  <a:off x="4812333" y="2840079"/>
+                  <a:ext cx="332558" cy="461665"/>
                 </a:xfrm>
                 <a:prstGeom prst="rect">
                   <a:avLst/>
@@ -6565,7 +5321,7 @@
                 <a:blipFill rotWithShape="0">
                   <a:blip r:embed="rId9"/>
                   <a:stretch>
-                    <a:fillRect/>
+                    <a:fillRect l="-7273"/>
                   </a:stretch>
                 </a:blipFill>
               </p:spPr>
@@ -6596,7 +5352,7 @@
             <p:spPr>
               <a:xfrm>
                 <a:off x="1295424" y="3051328"/>
-                <a:ext cx="468684" cy="369332"/>
+                <a:ext cx="468684" cy="461665"/>
               </a:xfrm>
               <a:prstGeom prst="rect">
                 <a:avLst/>
@@ -6609,6 +5365,7 @@
               </a:bodyPr>
               <a:lstStyle/>
               <a:p>
+                <a:pPr/>
                 <a14:m>
                   <m:oMathPara xmlns:m="http://schemas.openxmlformats.org/officeDocument/2006/math">
                     <m:oMathParaPr>
@@ -6616,13 +5373,13 @@
                     </m:oMathParaPr>
                     <m:oMath xmlns:m="http://schemas.openxmlformats.org/officeDocument/2006/math">
                       <m:r>
-                        <a:rPr lang="en-US" b="0" i="1" smtClean="0">
+                        <a:rPr lang="en-US" sz="2400" b="0" i="1" smtClean="0">
                           <a:latin typeface="Cambria Math" panose="02040503050406030204" pitchFamily="18" charset="0"/>
                         </a:rPr>
                         <m:t>𝛿</m:t>
                       </m:r>
                       <m:r>
-                        <a:rPr lang="en-US" b="0" i="1" smtClean="0">
+                        <a:rPr lang="en-US" sz="2400" b="0" i="1" smtClean="0">
                           <a:latin typeface="Cambria Math" panose="02040503050406030204" pitchFamily="18" charset="0"/>
                         </a:rPr>
                         <m:t>𝑡</m:t>
@@ -6647,7 +5404,7 @@
             <p:spPr>
               <a:xfrm>
                 <a:off x="1295424" y="3051328"/>
-                <a:ext cx="468684" cy="369332"/>
+                <a:ext cx="468684" cy="461665"/>
               </a:xfrm>
               <a:prstGeom prst="rect">
                 <a:avLst/>
@@ -6655,7 +5412,7 @@
               <a:blipFill rotWithShape="0">
                 <a:blip r:embed="rId10"/>
                 <a:stretch>
-                  <a:fillRect/>
+                  <a:fillRect l="-3947" r="-5263"/>
                 </a:stretch>
               </a:blipFill>
             </p:spPr>
@@ -6685,7 +5442,7 @@
             <p:spPr>
               <a:xfrm>
                 <a:off x="761936" y="2632462"/>
-                <a:ext cx="468684" cy="369332"/>
+                <a:ext cx="468684" cy="461665"/>
               </a:xfrm>
               <a:prstGeom prst="rect">
                 <a:avLst/>
@@ -6698,6 +5455,7 @@
               </a:bodyPr>
               <a:lstStyle/>
               <a:p>
+                <a:pPr/>
                 <a14:m>
                   <m:oMathPara xmlns:m="http://schemas.openxmlformats.org/officeDocument/2006/math">
                     <m:oMathParaPr>
@@ -6705,13 +5463,13 @@
                     </m:oMathParaPr>
                     <m:oMath xmlns:m="http://schemas.openxmlformats.org/officeDocument/2006/math">
                       <m:r>
-                        <a:rPr lang="en-US" b="0" i="1" smtClean="0">
+                        <a:rPr lang="en-US" sz="2400" b="0" i="1" smtClean="0">
                           <a:latin typeface="Cambria Math" panose="02040503050406030204" pitchFamily="18" charset="0"/>
                         </a:rPr>
                         <m:t>𝛿</m:t>
                       </m:r>
                       <m:r>
-                        <a:rPr lang="en-US" b="0" i="1" smtClean="0">
+                        <a:rPr lang="en-US" sz="2400" b="0" i="1" smtClean="0">
                           <a:latin typeface="Cambria Math" panose="02040503050406030204" pitchFamily="18" charset="0"/>
                         </a:rPr>
                         <m:t>𝑓</m:t>
@@ -6736,7 +5494,7 @@
             <p:spPr>
               <a:xfrm>
                 <a:off x="761936" y="2632462"/>
-                <a:ext cx="468684" cy="369332"/>
+                <a:ext cx="468684" cy="461665"/>
               </a:xfrm>
               <a:prstGeom prst="rect">
                 <a:avLst/>
@@ -6744,7 +5502,7 @@
               <a:blipFill rotWithShape="0">
                 <a:blip r:embed="rId11"/>
                 <a:stretch>
-                  <a:fillRect b="-13333"/>
+                  <a:fillRect l="-11688" r="-19481" b="-17105"/>
                 </a:stretch>
               </a:blipFill>
             </p:spPr>
@@ -6774,7 +5532,7 @@
             <p:spPr>
               <a:xfrm>
                 <a:off x="6850204" y="3051328"/>
-                <a:ext cx="468684" cy="369332"/>
+                <a:ext cx="468684" cy="461665"/>
               </a:xfrm>
               <a:prstGeom prst="rect">
                 <a:avLst/>
@@ -6787,6 +5545,7 @@
               </a:bodyPr>
               <a:lstStyle/>
               <a:p>
+                <a:pPr/>
                 <a14:m>
                   <m:oMathPara xmlns:m="http://schemas.openxmlformats.org/officeDocument/2006/math">
                     <m:oMathParaPr>
@@ -6794,13 +5553,13 @@
                     </m:oMathParaPr>
                     <m:oMath xmlns:m="http://schemas.openxmlformats.org/officeDocument/2006/math">
                       <m:r>
-                        <a:rPr lang="en-US" b="0" i="1" smtClean="0">
+                        <a:rPr lang="en-US" sz="2400" b="0" i="1" smtClean="0">
                           <a:latin typeface="Cambria Math" panose="02040503050406030204" pitchFamily="18" charset="0"/>
                         </a:rPr>
                         <m:t>𝛿</m:t>
                       </m:r>
                       <m:r>
-                        <a:rPr lang="en-US" b="0" i="1" smtClean="0">
+                        <a:rPr lang="en-US" sz="2400" b="0" i="1" smtClean="0">
                           <a:latin typeface="Cambria Math" panose="02040503050406030204" pitchFamily="18" charset="0"/>
                         </a:rPr>
                         <m:t>𝑡</m:t>
@@ -6808,7 +5567,7 @@
                     </m:oMath>
                   </m:oMathPara>
                 </a14:m>
-                <a:endParaRPr lang="en-US" dirty="0"/>
+                <a:endParaRPr lang="en-US" sz="2400" dirty="0"/>
               </a:p>
             </p:txBody>
           </p:sp>
@@ -6825,7 +5584,7 @@
             <p:spPr>
               <a:xfrm>
                 <a:off x="6850204" y="3051328"/>
-                <a:ext cx="468684" cy="369332"/>
+                <a:ext cx="468684" cy="461665"/>
               </a:xfrm>
               <a:prstGeom prst="rect">
                 <a:avLst/>
@@ -6833,7 +5592,7 @@
               <a:blipFill rotWithShape="0">
                 <a:blip r:embed="rId12"/>
                 <a:stretch>
-                  <a:fillRect/>
+                  <a:fillRect l="-3896" r="-3896"/>
                 </a:stretch>
               </a:blipFill>
             </p:spPr>
@@ -6863,7 +5622,7 @@
             <p:spPr>
               <a:xfrm>
                 <a:off x="6316716" y="2632462"/>
-                <a:ext cx="468684" cy="369332"/>
+                <a:ext cx="468684" cy="461665"/>
               </a:xfrm>
               <a:prstGeom prst="rect">
                 <a:avLst/>
@@ -6876,6 +5635,7 @@
               </a:bodyPr>
               <a:lstStyle/>
               <a:p>
+                <a:pPr/>
                 <a14:m>
                   <m:oMathPara xmlns:m="http://schemas.openxmlformats.org/officeDocument/2006/math">
                     <m:oMathParaPr>
@@ -6883,13 +5643,13 @@
                     </m:oMathParaPr>
                     <m:oMath xmlns:m="http://schemas.openxmlformats.org/officeDocument/2006/math">
                       <m:r>
-                        <a:rPr lang="en-US" b="0" i="1" smtClean="0">
+                        <a:rPr lang="en-US" sz="2400" b="0" i="1" smtClean="0">
                           <a:latin typeface="Cambria Math" panose="02040503050406030204" pitchFamily="18" charset="0"/>
                         </a:rPr>
                         <m:t>𝛿</m:t>
                       </m:r>
                       <m:r>
-                        <a:rPr lang="en-US" b="0" i="1" smtClean="0">
+                        <a:rPr lang="en-US" sz="2400" b="0" i="1" smtClean="0">
                           <a:latin typeface="Cambria Math" panose="02040503050406030204" pitchFamily="18" charset="0"/>
                         </a:rPr>
                         <m:t>𝑓</m:t>
@@ -6897,7 +5657,7 @@
                     </m:oMath>
                   </m:oMathPara>
                 </a14:m>
-                <a:endParaRPr lang="en-US" dirty="0"/>
+                <a:endParaRPr lang="en-US" sz="2400" dirty="0"/>
               </a:p>
             </p:txBody>
           </p:sp>
@@ -6914,7 +5674,7 @@
             <p:spPr>
               <a:xfrm>
                 <a:off x="6316716" y="2632462"/>
-                <a:ext cx="468684" cy="369332"/>
+                <a:ext cx="468684" cy="461665"/>
               </a:xfrm>
               <a:prstGeom prst="rect">
                 <a:avLst/>
@@ -6922,7 +5682,7 @@
               <a:blipFill rotWithShape="0">
                 <a:blip r:embed="rId13"/>
                 <a:stretch>
-                  <a:fillRect b="-13333"/>
+                  <a:fillRect l="-10390" r="-20779" b="-17105"/>
                 </a:stretch>
               </a:blipFill>
             </p:spPr>
@@ -6952,7 +5712,7 @@
             <p:spPr>
               <a:xfrm>
                 <a:off x="6889578" y="6097579"/>
-                <a:ext cx="468684" cy="369332"/>
+                <a:ext cx="468684" cy="461665"/>
               </a:xfrm>
               <a:prstGeom prst="rect">
                 <a:avLst/>
@@ -6965,6 +5725,7 @@
               </a:bodyPr>
               <a:lstStyle/>
               <a:p>
+                <a:pPr/>
                 <a14:m>
                   <m:oMathPara xmlns:m="http://schemas.openxmlformats.org/officeDocument/2006/math">
                     <m:oMathParaPr>
@@ -6972,13 +5733,13 @@
                     </m:oMathParaPr>
                     <m:oMath xmlns:m="http://schemas.openxmlformats.org/officeDocument/2006/math">
                       <m:r>
-                        <a:rPr lang="en-US" b="0" i="1" smtClean="0">
+                        <a:rPr lang="en-US" sz="2400" b="0" i="1" smtClean="0">
                           <a:latin typeface="Cambria Math" panose="02040503050406030204" pitchFamily="18" charset="0"/>
                         </a:rPr>
                         <m:t>𝛿</m:t>
                       </m:r>
                       <m:r>
-                        <a:rPr lang="en-US" b="0" i="1" smtClean="0">
+                        <a:rPr lang="en-US" sz="2400" b="0" i="1" smtClean="0">
                           <a:latin typeface="Cambria Math" panose="02040503050406030204" pitchFamily="18" charset="0"/>
                         </a:rPr>
                         <m:t>𝑡</m:t>
@@ -6986,7 +5747,7 @@
                     </m:oMath>
                   </m:oMathPara>
                 </a14:m>
-                <a:endParaRPr lang="en-US" dirty="0"/>
+                <a:endParaRPr lang="en-US" sz="2400" dirty="0"/>
               </a:p>
             </p:txBody>
           </p:sp>
@@ -7003,7 +5764,7 @@
             <p:spPr>
               <a:xfrm>
                 <a:off x="6889578" y="6097579"/>
-                <a:ext cx="468684" cy="369332"/>
+                <a:ext cx="468684" cy="461665"/>
               </a:xfrm>
               <a:prstGeom prst="rect">
                 <a:avLst/>
@@ -7011,7 +5772,7 @@
               <a:blipFill rotWithShape="0">
                 <a:blip r:embed="rId14"/>
                 <a:stretch>
-                  <a:fillRect/>
+                  <a:fillRect l="-3896" r="-3896"/>
                 </a:stretch>
               </a:blipFill>
             </p:spPr>
@@ -7041,7 +5802,7 @@
             <p:spPr>
               <a:xfrm>
                 <a:off x="6356090" y="5678713"/>
-                <a:ext cx="468684" cy="369332"/>
+                <a:ext cx="468684" cy="461665"/>
               </a:xfrm>
               <a:prstGeom prst="rect">
                 <a:avLst/>
@@ -7054,6 +5815,7 @@
               </a:bodyPr>
               <a:lstStyle/>
               <a:p>
+                <a:pPr/>
                 <a14:m>
                   <m:oMathPara xmlns:m="http://schemas.openxmlformats.org/officeDocument/2006/math">
                     <m:oMathParaPr>
@@ -7061,13 +5823,13 @@
                     </m:oMathParaPr>
                     <m:oMath xmlns:m="http://schemas.openxmlformats.org/officeDocument/2006/math">
                       <m:r>
-                        <a:rPr lang="en-US" b="0" i="1" smtClean="0">
+                        <a:rPr lang="en-US" sz="2400" b="0" i="1" smtClean="0">
                           <a:latin typeface="Cambria Math" panose="02040503050406030204" pitchFamily="18" charset="0"/>
                         </a:rPr>
                         <m:t>𝛿</m:t>
                       </m:r>
                       <m:r>
-                        <a:rPr lang="en-US" b="0" i="1" smtClean="0">
+                        <a:rPr lang="en-US" sz="2400" b="0" i="1" smtClean="0">
                           <a:latin typeface="Cambria Math" panose="02040503050406030204" pitchFamily="18" charset="0"/>
                         </a:rPr>
                         <m:t>𝑓</m:t>
@@ -7075,7 +5837,7 @@
                     </m:oMath>
                   </m:oMathPara>
                 </a14:m>
-                <a:endParaRPr lang="en-US" dirty="0"/>
+                <a:endParaRPr lang="en-US" sz="2400" dirty="0"/>
               </a:p>
             </p:txBody>
           </p:sp>
@@ -7092,7 +5854,7 @@
             <p:spPr>
               <a:xfrm>
                 <a:off x="6356090" y="5678713"/>
-                <a:ext cx="468684" cy="369332"/>
+                <a:ext cx="468684" cy="461665"/>
               </a:xfrm>
               <a:prstGeom prst="rect">
                 <a:avLst/>
@@ -7100,7 +5862,7 @@
               <a:blipFill rotWithShape="0">
                 <a:blip r:embed="rId15"/>
                 <a:stretch>
-                  <a:fillRect b="-13333"/>
+                  <a:fillRect l="-11688" r="-19481" b="-18667"/>
                 </a:stretch>
               </a:blipFill>
             </p:spPr>
@@ -7130,7 +5892,7 @@
             <p:spPr>
               <a:xfrm>
                 <a:off x="1344476" y="6072219"/>
-                <a:ext cx="468684" cy="369332"/>
+                <a:ext cx="468684" cy="461665"/>
               </a:xfrm>
               <a:prstGeom prst="rect">
                 <a:avLst/>
@@ -7143,6 +5905,7 @@
               </a:bodyPr>
               <a:lstStyle/>
               <a:p>
+                <a:pPr/>
                 <a14:m>
                   <m:oMathPara xmlns:m="http://schemas.openxmlformats.org/officeDocument/2006/math">
                     <m:oMathParaPr>
@@ -7150,13 +5913,13 @@
                     </m:oMathParaPr>
                     <m:oMath xmlns:m="http://schemas.openxmlformats.org/officeDocument/2006/math">
                       <m:r>
-                        <a:rPr lang="en-US" b="0" i="1" smtClean="0">
+                        <a:rPr lang="en-US" sz="2400" b="0" i="1" smtClean="0">
                           <a:latin typeface="Cambria Math" panose="02040503050406030204" pitchFamily="18" charset="0"/>
                         </a:rPr>
                         <m:t>𝛿</m:t>
                       </m:r>
                       <m:r>
-                        <a:rPr lang="en-US" b="0" i="1" smtClean="0">
+                        <a:rPr lang="en-US" sz="2400" b="0" i="1" smtClean="0">
                           <a:latin typeface="Cambria Math" panose="02040503050406030204" pitchFamily="18" charset="0"/>
                         </a:rPr>
                         <m:t>𝑡</m:t>
@@ -7164,7 +5927,7 @@
                     </m:oMath>
                   </m:oMathPara>
                 </a14:m>
-                <a:endParaRPr lang="en-US" dirty="0"/>
+                <a:endParaRPr lang="en-US" sz="2400" dirty="0"/>
               </a:p>
             </p:txBody>
           </p:sp>
@@ -7181,7 +5944,7 @@
             <p:spPr>
               <a:xfrm>
                 <a:off x="1344476" y="6072219"/>
-                <a:ext cx="468684" cy="369332"/>
+                <a:ext cx="468684" cy="461665"/>
               </a:xfrm>
               <a:prstGeom prst="rect">
                 <a:avLst/>
@@ -7189,7 +5952,7 @@
               <a:blipFill rotWithShape="0">
                 <a:blip r:embed="rId16"/>
                 <a:stretch>
-                  <a:fillRect/>
+                  <a:fillRect l="-3947" r="-5263"/>
                 </a:stretch>
               </a:blipFill>
             </p:spPr>
@@ -7219,7 +5982,7 @@
             <p:spPr>
               <a:xfrm>
                 <a:off x="810988" y="5653353"/>
-                <a:ext cx="468684" cy="369332"/>
+                <a:ext cx="468684" cy="461665"/>
               </a:xfrm>
               <a:prstGeom prst="rect">
                 <a:avLst/>
@@ -7232,6 +5995,7 @@
               </a:bodyPr>
               <a:lstStyle/>
               <a:p>
+                <a:pPr/>
                 <a14:m>
                   <m:oMathPara xmlns:m="http://schemas.openxmlformats.org/officeDocument/2006/math">
                     <m:oMathParaPr>
@@ -7239,13 +6003,13 @@
                     </m:oMathParaPr>
                     <m:oMath xmlns:m="http://schemas.openxmlformats.org/officeDocument/2006/math">
                       <m:r>
-                        <a:rPr lang="en-US" b="0" i="1" smtClean="0">
+                        <a:rPr lang="en-US" sz="2400" b="0" i="1" smtClean="0">
                           <a:latin typeface="Cambria Math" panose="02040503050406030204" pitchFamily="18" charset="0"/>
                         </a:rPr>
                         <m:t>𝛿</m:t>
                       </m:r>
                       <m:r>
-                        <a:rPr lang="en-US" b="0" i="1" smtClean="0">
+                        <a:rPr lang="en-US" sz="2400" b="0" i="1" smtClean="0">
                           <a:latin typeface="Cambria Math" panose="02040503050406030204" pitchFamily="18" charset="0"/>
                         </a:rPr>
                         <m:t>𝑓</m:t>
@@ -7253,7 +6017,7 @@
                     </m:oMath>
                   </m:oMathPara>
                 </a14:m>
-                <a:endParaRPr lang="en-US" dirty="0"/>
+                <a:endParaRPr lang="en-US" sz="2400" dirty="0"/>
               </a:p>
             </p:txBody>
           </p:sp>
@@ -7270,7 +6034,7 @@
             <p:spPr>
               <a:xfrm>
                 <a:off x="810988" y="5653353"/>
-                <a:ext cx="468684" cy="369332"/>
+                <a:ext cx="468684" cy="461665"/>
               </a:xfrm>
               <a:prstGeom prst="rect">
                 <a:avLst/>
@@ -7278,7 +6042,7 @@
               <a:blipFill rotWithShape="0">
                 <a:blip r:embed="rId17"/>
                 <a:stretch>
-                  <a:fillRect b="-13115"/>
+                  <a:fillRect l="-10390" r="-20779" b="-17105"/>
                 </a:stretch>
               </a:blipFill>
             </p:spPr>
